--- a/PBTS-VS_tutorial.pptx
+++ b/PBTS-VS_tutorial.pptx
@@ -159,20 +159,6 @@
 </p:cmAuthorLst>
 </file>
 
-<file path=ppt/comments/comment1.xml><?xml version="1.0" encoding="utf-8"?>
-<p:cmLst xmlns:a="http://schemas.openxmlformats.org/drawingml/2006/main" xmlns:r="http://schemas.openxmlformats.org/officeDocument/2006/relationships" xmlns:p="http://schemas.openxmlformats.org/presentationml/2006/main">
-  <p:cm authorId="1" dt="2019-07-16T19:21:50.354" idx="1">
-    <p:pos x="4016" y="3391"/>
-    <p:text>add link</p:text>
-    <p:extLst>
-      <p:ext uri="{C676402C-5697-4E1C-873F-D02D1690AC5C}">
-        <p15:threadingInfo xmlns:p15="http://schemas.microsoft.com/office/powerpoint/2012/main" timeZoneBias="-120"/>
-      </p:ext>
-    </p:extLst>
-  </p:cm>
-</p:cmLst>
-</file>
-
 <file path=ppt/handoutMasters/handoutMaster1.xml><?xml version="1.0" encoding="utf-8"?>
 <p:handoutMaster xmlns:a="http://schemas.openxmlformats.org/drawingml/2006/main" xmlns:r="http://schemas.openxmlformats.org/officeDocument/2006/relationships" xmlns:p="http://schemas.openxmlformats.org/presentationml/2006/main">
   <p:cSld>
@@ -255,7 +241,7 @@
           <a:p>
             <a:fld id="{345C4062-2971-4581-8F7A-3A5EEC109DF4}" type="datetimeFigureOut">
               <a:rPr lang="en-GB" smtClean="0"/>
-              <a:t>16/07/2019</a:t>
+              <a:t>17/07/2019</a:t>
             </a:fld>
             <a:endParaRPr lang="en-GB"/>
           </a:p>
@@ -420,7 +406,7 @@
           <a:p>
             <a:fld id="{82DC0F57-CAD9-4ABB-A8D9-14DE53F5804F}" type="datetimeFigureOut">
               <a:rPr lang="en-GB" smtClean="0"/>
-              <a:t>16/07/2019</a:t>
+              <a:t>17/07/2019</a:t>
             </a:fld>
             <a:endParaRPr lang="en-GB"/>
           </a:p>
@@ -1229,7 +1215,7 @@
           <a:p>
             <a:fld id="{67C1C9C4-96FB-42D6-B6FF-2A7163D9DEDD}" type="datetime1">
               <a:rPr lang="en-US" smtClean="0"/>
-              <a:t>16-Jul-2019</a:t>
+              <a:t>17-Jul-2019</a:t>
             </a:fld>
             <a:endParaRPr lang="en-GB"/>
           </a:p>
@@ -1434,7 +1420,7 @@
           <a:p>
             <a:fld id="{0195D477-22B7-4FA9-903B-FDCA1CEF2172}" type="datetime1">
               <a:rPr lang="en-US" smtClean="0"/>
-              <a:t>16-Jul-2019</a:t>
+              <a:t>17-Jul-2019</a:t>
             </a:fld>
             <a:endParaRPr lang="en-GB"/>
           </a:p>
@@ -1719,7 +1705,7 @@
           <a:p>
             <a:fld id="{1FC2BB6A-80E8-45EA-B3A4-4B56BF713D98}" type="datetime1">
               <a:rPr lang="en-US" smtClean="0"/>
-              <a:t>16-Jul-2019</a:t>
+              <a:t>17-Jul-2019</a:t>
             </a:fld>
             <a:endParaRPr lang="en-GB"/>
           </a:p>
@@ -1933,7 +1919,7 @@
                   <a:prstClr val="white"/>
                 </a:solidFill>
               </a:rPr>
-              <a:t>16-Jul-2019</a:t>
+              <a:t>17-Jul-2019</a:t>
             </a:fld>
             <a:endParaRPr lang="en-US" dirty="0">
               <a:solidFill>
@@ -2409,7 +2395,7 @@
           <a:p>
             <a:fld id="{6B47D27D-56C3-4947-93B9-BC28ECB1CEF7}" type="datetime1">
               <a:rPr lang="en-US" smtClean="0"/>
-              <a:t>16-Jul-2019</a:t>
+              <a:t>17-Jul-2019</a:t>
             </a:fld>
             <a:endParaRPr lang="en-GB"/>
           </a:p>
@@ -2890,25 +2876,7 @@
                 </a:solidFill>
                 <a:latin typeface="+mj-lt"/>
               </a:rPr>
-              <a:t>,  18 </a:t>
-            </a:r>
-            <a:r>
-              <a:rPr lang="en-GB" sz="1400" b="1" dirty="0" smtClean="0">
-                <a:solidFill>
-                  <a:schemeClr val="tx2"/>
-                </a:solidFill>
-                <a:latin typeface="+mj-lt"/>
-              </a:rPr>
-              <a:t>July </a:t>
-            </a:r>
-            <a:r>
-              <a:rPr lang="en-GB" sz="1400" b="1" dirty="0" smtClean="0">
-                <a:solidFill>
-                  <a:schemeClr val="tx2"/>
-                </a:solidFill>
-                <a:latin typeface="+mj-lt"/>
-              </a:rPr>
-              <a:t>2019</a:t>
+              <a:t>,  18 July 2019</a:t>
             </a:r>
             <a:endParaRPr lang="en-GB" sz="1400" b="1" dirty="0">
               <a:solidFill>
@@ -3041,6 +3009,98 @@
           </a:prstGeom>
         </p:spPr>
       </p:pic>
+      <p:sp>
+        <p:nvSpPr>
+          <p:cNvPr id="2" name="TextBox 1"/>
+          <p:cNvSpPr txBox="1"/>
+          <p:nvPr/>
+        </p:nvSpPr>
+        <p:spPr>
+          <a:xfrm>
+            <a:off x="467544" y="1412776"/>
+            <a:ext cx="2736304" cy="4616648"/>
+          </a:xfrm>
+          <a:prstGeom prst="rect">
+            <a:avLst/>
+          </a:prstGeom>
+          <a:noFill/>
+        </p:spPr>
+        <p:txBody>
+          <a:bodyPr wrap="square" rtlCol="0">
+            <a:spAutoFit/>
+          </a:bodyPr>
+          <a:lstStyle/>
+          <a:p>
+            <a:pPr marL="285750" indent="-285750">
+              <a:buFont typeface="Arial" panose="020B0604020202020204" pitchFamily="34" charset="0"/>
+              <a:buChar char="•"/>
+            </a:pPr>
+            <a:r>
+              <a:rPr lang="en-GB" sz="1400" dirty="0" smtClean="0"/>
+              <a:t>The scatter plot shows the percentage of correct responses to the items in the international pilot against the percentage for the country under scrutiny;</a:t>
+            </a:r>
+          </a:p>
+          <a:p>
+            <a:pPr marL="285750" indent="-285750">
+              <a:buFont typeface="Arial" panose="020B0604020202020204" pitchFamily="34" charset="0"/>
+              <a:buChar char="•"/>
+            </a:pPr>
+            <a:endParaRPr lang="en-GB" sz="1400" dirty="0"/>
+          </a:p>
+          <a:p>
+            <a:pPr marL="285750" indent="-285750">
+              <a:buFont typeface="Arial" panose="020B0604020202020204" pitchFamily="34" charset="0"/>
+              <a:buChar char="•"/>
+            </a:pPr>
+            <a:r>
+              <a:rPr lang="en-GB" sz="1400" dirty="0" smtClean="0"/>
+              <a:t>Items below the blue line have more correct responses in the country than in the pilot (and </a:t>
+            </a:r>
+            <a:r>
+              <a:rPr lang="en-GB" sz="1400" dirty="0" err="1" smtClean="0"/>
+              <a:t>viceversa</a:t>
+            </a:r>
+            <a:r>
+              <a:rPr lang="en-GB" sz="1400" dirty="0" smtClean="0"/>
+              <a:t>);</a:t>
+            </a:r>
+          </a:p>
+          <a:p>
+            <a:pPr marL="285750" indent="-285750">
+              <a:buFont typeface="Arial" panose="020B0604020202020204" pitchFamily="34" charset="0"/>
+              <a:buChar char="•"/>
+            </a:pPr>
+            <a:endParaRPr lang="en-GB" sz="1400" dirty="0"/>
+          </a:p>
+          <a:p>
+            <a:pPr marL="285750" indent="-285750">
+              <a:buFont typeface="Arial" panose="020B0604020202020204" pitchFamily="34" charset="0"/>
+              <a:buChar char="•"/>
+            </a:pPr>
+            <a:r>
+              <a:rPr lang="en-GB" sz="1400" dirty="0" smtClean="0"/>
+              <a:t>It is possible to change domain to look at the other plots;</a:t>
+            </a:r>
+          </a:p>
+          <a:p>
+            <a:pPr marL="285750" indent="-285750">
+              <a:buFont typeface="Arial" panose="020B0604020202020204" pitchFamily="34" charset="0"/>
+              <a:buChar char="•"/>
+            </a:pPr>
+            <a:endParaRPr lang="en-GB" sz="1400" dirty="0"/>
+          </a:p>
+          <a:p>
+            <a:pPr marL="285750" indent="-285750">
+              <a:buFont typeface="Arial" panose="020B0604020202020204" pitchFamily="34" charset="0"/>
+              <a:buChar char="•"/>
+            </a:pPr>
+            <a:r>
+              <a:rPr lang="en-GB" sz="1400" dirty="0" smtClean="0"/>
+              <a:t>The table below presents the correlation for each response category between the international pilot and the country.</a:t>
+            </a:r>
+          </a:p>
+        </p:txBody>
+      </p:sp>
     </p:spTree>
     <p:extLst>
       <p:ext uri="{BB962C8B-B14F-4D97-AF65-F5344CB8AC3E}">
@@ -3179,8 +3239,8 @@
         </p:nvSpPr>
         <p:spPr>
           <a:xfrm>
-            <a:off x="683568" y="1988840"/>
-            <a:ext cx="1224136" cy="2031325"/>
+            <a:off x="467544" y="1556792"/>
+            <a:ext cx="3114414" cy="2862322"/>
           </a:xfrm>
           <a:prstGeom prst="rect">
             <a:avLst/>
@@ -3193,17 +3253,13 @@
           </a:bodyPr>
           <a:lstStyle/>
           <a:p>
+            <a:pPr marL="285750" indent="-285750">
+              <a:buFont typeface="Arial" panose="020B0604020202020204" pitchFamily="34" charset="0"/>
+              <a:buChar char="•"/>
+            </a:pPr>
             <a:r>
               <a:rPr lang="en-GB" dirty="0" smtClean="0"/>
-              <a:t>Negative </a:t>
-            </a:r>
-            <a:r>
-              <a:rPr lang="en-GB" dirty="0" err="1" smtClean="0"/>
-              <a:t>pt</a:t>
-            </a:r>
-            <a:r>
-              <a:rPr lang="en-GB" dirty="0" smtClean="0"/>
-              <a:t> </a:t>
+              <a:t>A negative point-</a:t>
             </a:r>
             <a:r>
               <a:rPr lang="en-GB" dirty="0" err="1" smtClean="0"/>
@@ -3211,7 +3267,11 @@
             </a:r>
             <a:r>
               <a:rPr lang="en-GB" dirty="0" smtClean="0"/>
-              <a:t> could indicate </a:t>
+              <a:t> correlation </a:t>
+            </a:r>
+            <a:r>
+              <a:rPr lang="en-GB" dirty="0" smtClean="0"/>
+              <a:t>could indicate </a:t>
             </a:r>
             <a:r>
               <a:rPr lang="en-GB" dirty="0" err="1" smtClean="0"/>
@@ -3219,7 +3279,24 @@
             </a:r>
             <a:r>
               <a:rPr lang="en-GB" dirty="0" smtClean="0"/>
-              <a:t>-keyed items</a:t>
+              <a:t>-keyed </a:t>
+            </a:r>
+            <a:r>
+              <a:rPr lang="en-GB" dirty="0" smtClean="0"/>
+              <a:t>items (the correct answer coded as 0 instead of 1);</a:t>
+            </a:r>
+          </a:p>
+          <a:p>
+            <a:endParaRPr lang="en-GB" dirty="0" smtClean="0"/>
+          </a:p>
+          <a:p>
+            <a:pPr marL="285750" indent="-285750">
+              <a:buFont typeface="Arial" panose="020B0604020202020204" pitchFamily="34" charset="0"/>
+              <a:buChar char="•"/>
+            </a:pPr>
+            <a:r>
+              <a:rPr lang="en-GB" dirty="0" smtClean="0"/>
+              <a:t>Low discrimination for the correct answer should be compared with overall discrimination index</a:t>
             </a:r>
             <a:endParaRPr lang="en-GB" dirty="0"/>
           </a:p>
@@ -3356,7 +3433,7 @@
         <p:spPr>
           <a:xfrm>
             <a:off x="395536" y="1490530"/>
-            <a:ext cx="3744416" cy="646331"/>
+            <a:ext cx="3744416" cy="5078313"/>
           </a:xfrm>
           <a:prstGeom prst="rect">
             <a:avLst/>
@@ -3369,11 +3446,56 @@
           </a:bodyPr>
           <a:lstStyle/>
           <a:p>
+            <a:pPr marL="285750" indent="-285750">
+              <a:buFont typeface="Arial" panose="020B0604020202020204" pitchFamily="34" charset="0"/>
+              <a:buChar char="•"/>
+            </a:pPr>
             <a:r>
               <a:rPr lang="en-GB" dirty="0" smtClean="0"/>
-              <a:t>If the density is to the right, items more difficult</a:t>
-            </a:r>
+              <a:t>The scatter plot presents the IRT difficulty of the items in the international pilot against the estimated IRT difficulty of the items in the country;</a:t>
+            </a:r>
+          </a:p>
+          <a:p>
+            <a:pPr marL="285750" indent="-285750">
+              <a:buFont typeface="Arial" panose="020B0604020202020204" pitchFamily="34" charset="0"/>
+              <a:buChar char="•"/>
+            </a:pPr>
             <a:endParaRPr lang="en-GB" dirty="0"/>
+          </a:p>
+          <a:p>
+            <a:pPr marL="285750" indent="-285750">
+              <a:buFont typeface="Arial" panose="020B0604020202020204" pitchFamily="34" charset="0"/>
+              <a:buChar char="•"/>
+            </a:pPr>
+            <a:r>
+              <a:rPr lang="en-GB" dirty="0" smtClean="0"/>
+              <a:t>Items are flagged when the two difficulty parameters are significantly different;</a:t>
+            </a:r>
+          </a:p>
+          <a:p>
+            <a:pPr marL="285750" indent="-285750">
+              <a:buFont typeface="Arial" panose="020B0604020202020204" pitchFamily="34" charset="0"/>
+              <a:buChar char="•"/>
+            </a:pPr>
+            <a:endParaRPr lang="en-GB" dirty="0"/>
+          </a:p>
+          <a:p>
+            <a:pPr marL="285750" indent="-285750">
+              <a:buFont typeface="Arial" panose="020B0604020202020204" pitchFamily="34" charset="0"/>
+              <a:buChar char="•"/>
+            </a:pPr>
+            <a:r>
+              <a:rPr lang="en-GB" dirty="0" smtClean="0"/>
+              <a:t>When the density of item parameters in the country is to the right of the density of item parameters in the international pilot, it means items are on average more difficult in the country.</a:t>
+            </a:r>
+            <a:endParaRPr lang="en-GB" dirty="0" smtClean="0"/>
+          </a:p>
+          <a:p>
+            <a:pPr marL="285750" indent="-285750">
+              <a:buFont typeface="Arial" panose="020B0604020202020204" pitchFamily="34" charset="0"/>
+              <a:buChar char="•"/>
+            </a:pPr>
+            <a:endParaRPr lang="en-GB" dirty="0" smtClean="0"/>
           </a:p>
         </p:txBody>
       </p:sp>
@@ -3507,8 +3629,8 @@
         </p:nvSpPr>
         <p:spPr>
           <a:xfrm>
-            <a:off x="611560" y="1844824"/>
-            <a:ext cx="1080120" cy="2031325"/>
+            <a:off x="395536" y="1556792"/>
+            <a:ext cx="2232248" cy="3970318"/>
           </a:xfrm>
           <a:prstGeom prst="rect">
             <a:avLst/>
@@ -3521,11 +3643,54 @@
           </a:bodyPr>
           <a:lstStyle/>
           <a:p>
+            <a:endParaRPr lang="en-GB" dirty="0" smtClean="0"/>
+          </a:p>
+          <a:p>
+            <a:pPr marL="285750" indent="-285750">
+              <a:buFont typeface="Arial" panose="020B0604020202020204" pitchFamily="34" charset="0"/>
+              <a:buChar char="•"/>
+            </a:pPr>
             <a:r>
               <a:rPr lang="en-GB" dirty="0" smtClean="0"/>
-              <a:t>Check also t-statistics (normally distributed0</a:t>
-            </a:r>
+              <a:t>Item fit to the model is checked with national estimated item parameters;</a:t>
+            </a:r>
+          </a:p>
+          <a:p>
+            <a:pPr marL="285750" indent="-285750">
+              <a:buFont typeface="Arial" panose="020B0604020202020204" pitchFamily="34" charset="0"/>
+              <a:buChar char="•"/>
+            </a:pPr>
             <a:endParaRPr lang="en-GB" dirty="0"/>
+          </a:p>
+          <a:p>
+            <a:pPr marL="285750" indent="-285750">
+              <a:buFont typeface="Arial" panose="020B0604020202020204" pitchFamily="34" charset="0"/>
+              <a:buChar char="•"/>
+            </a:pPr>
+            <a:r>
+              <a:rPr lang="en-GB" dirty="0" smtClean="0"/>
+              <a:t>It is important to check also whether the </a:t>
+            </a:r>
+            <a:r>
+              <a:rPr lang="en-GB" dirty="0" err="1" smtClean="0"/>
+              <a:t>Infit</a:t>
+            </a:r>
+            <a:r>
+              <a:rPr lang="en-GB" dirty="0" smtClean="0"/>
+              <a:t> is significant (if </a:t>
+            </a:r>
+            <a:r>
+              <a:rPr lang="en-GB" dirty="0" err="1" smtClean="0"/>
+              <a:t>Infit_t</a:t>
+            </a:r>
+            <a:r>
+              <a:rPr lang="en-GB" dirty="0" smtClean="0"/>
+              <a:t> is greater in absolute value than 1.96)</a:t>
+            </a:r>
+            <a:r>
+              <a:rPr lang="en-GB" dirty="0" smtClean="0"/>
+              <a:t> </a:t>
+            </a:r>
           </a:p>
         </p:txBody>
       </p:sp>
@@ -3608,7 +3773,7 @@
         <p:spPr>
           <a:xfrm>
             <a:off x="395536" y="1490530"/>
-            <a:ext cx="3744416" cy="369332"/>
+            <a:ext cx="3744416" cy="4524315"/>
           </a:xfrm>
           <a:prstGeom prst="rect">
             <a:avLst/>
@@ -3621,9 +3786,52 @@
           </a:bodyPr>
           <a:lstStyle/>
           <a:p>
+            <a:pPr marL="285750" indent="-285750">
+              <a:buFont typeface="Arial" panose="020B0604020202020204" pitchFamily="34" charset="0"/>
+              <a:buChar char="•"/>
+            </a:pPr>
             <a:r>
               <a:rPr lang="en-GB" dirty="0" smtClean="0"/>
-              <a:t>.</a:t>
+              <a:t>This analysis is computationally intensive;</a:t>
+            </a:r>
+          </a:p>
+          <a:p>
+            <a:endParaRPr lang="en-GB" dirty="0" smtClean="0"/>
+          </a:p>
+          <a:p>
+            <a:pPr marL="285750" indent="-285750">
+              <a:buFont typeface="Arial" panose="020B0604020202020204" pitchFamily="34" charset="0"/>
+              <a:buChar char="•"/>
+            </a:pPr>
+            <a:r>
+              <a:rPr lang="en-GB" dirty="0" smtClean="0"/>
+              <a:t>It is possible to switch between the different domains;</a:t>
+            </a:r>
+          </a:p>
+          <a:p>
+            <a:endParaRPr lang="en-GB" dirty="0" smtClean="0"/>
+          </a:p>
+          <a:p>
+            <a:pPr marL="285750" indent="-285750">
+              <a:buFont typeface="Arial" panose="020B0604020202020204" pitchFamily="34" charset="0"/>
+              <a:buChar char="•"/>
+            </a:pPr>
+            <a:r>
+              <a:rPr lang="en-GB" dirty="0" smtClean="0"/>
+              <a:t>The dots are filled when the difference is statistically significant between the parameters for boys and girls;</a:t>
+            </a:r>
+          </a:p>
+          <a:p>
+            <a:endParaRPr lang="en-GB" dirty="0" smtClean="0"/>
+          </a:p>
+          <a:p>
+            <a:pPr marL="285750" indent="-285750">
+              <a:buFont typeface="Arial" panose="020B0604020202020204" pitchFamily="34" charset="0"/>
+              <a:buChar char="•"/>
+            </a:pPr>
+            <a:r>
+              <a:rPr lang="en-GB" dirty="0" smtClean="0"/>
+              <a:t>It is important to look also for patterns, e.g. items in a given domain are consistently easier (or harder) for one gender group.</a:t>
             </a:r>
             <a:endParaRPr lang="en-GB" dirty="0"/>
           </a:p>
@@ -3754,8 +3962,8 @@
         </p:nvSpPr>
         <p:spPr>
           <a:xfrm>
-            <a:off x="395536" y="1490530"/>
-            <a:ext cx="3744416" cy="923330"/>
+            <a:off x="395536" y="1484784"/>
+            <a:ext cx="3096344" cy="4616648"/>
           </a:xfrm>
           <a:prstGeom prst="rect">
             <a:avLst/>
@@ -3768,20 +3976,69 @@
           </a:bodyPr>
           <a:lstStyle/>
           <a:p>
-            <a:r>
-              <a:rPr lang="en-GB" dirty="0" smtClean="0"/>
-              <a:t>For a subset of items</a:t>
-            </a:r>
-          </a:p>
-          <a:p>
-            <a:endParaRPr lang="en-GB" dirty="0"/>
-          </a:p>
-          <a:p>
-            <a:r>
-              <a:rPr lang="en-GB" dirty="0" smtClean="0"/>
-              <a:t>Compare good vs bad</a:t>
-            </a:r>
-            <a:endParaRPr lang="en-GB" dirty="0"/>
+            <a:pPr marL="285750" indent="-285750">
+              <a:buFont typeface="Arial" panose="020B0604020202020204" pitchFamily="34" charset="0"/>
+              <a:buChar char="•"/>
+            </a:pPr>
+            <a:r>
+              <a:rPr lang="en-GB" sz="1400" dirty="0" smtClean="0"/>
+              <a:t>The items that showed at least a dodgy criterion in the exploratory analysis are reviewed here;</a:t>
+            </a:r>
+          </a:p>
+          <a:p>
+            <a:pPr marL="285750" indent="-285750">
+              <a:buFont typeface="Arial" panose="020B0604020202020204" pitchFamily="34" charset="0"/>
+              <a:buChar char="•"/>
+            </a:pPr>
+            <a:endParaRPr lang="en-GB" sz="1400" dirty="0" smtClean="0"/>
+          </a:p>
+          <a:p>
+            <a:pPr marL="285750" indent="-285750">
+              <a:buFont typeface="Arial" panose="020B0604020202020204" pitchFamily="34" charset="0"/>
+              <a:buChar char="•"/>
+            </a:pPr>
+            <a:r>
+              <a:rPr lang="en-GB" sz="1400" dirty="0" smtClean="0"/>
+              <a:t>The item characteristic curve should be S-shaped; it does not discriminate well for ability levels in which it is flat;</a:t>
+            </a:r>
+          </a:p>
+          <a:p>
+            <a:pPr marL="285750" indent="-285750">
+              <a:buFont typeface="Arial" panose="020B0604020202020204" pitchFamily="34" charset="0"/>
+              <a:buChar char="•"/>
+            </a:pPr>
+            <a:endParaRPr lang="en-GB" sz="1400" dirty="0" smtClean="0"/>
+          </a:p>
+          <a:p>
+            <a:pPr marL="285750" indent="-285750">
+              <a:buFont typeface="Arial" panose="020B0604020202020204" pitchFamily="34" charset="0"/>
+              <a:buChar char="•"/>
+            </a:pPr>
+            <a:r>
+              <a:rPr lang="en-GB" sz="1400" dirty="0" smtClean="0"/>
+              <a:t>Correspondingly, the item information curve will be centred around the ability levels for which the item provides more information;</a:t>
+            </a:r>
+          </a:p>
+          <a:p>
+            <a:pPr marL="285750" indent="-285750">
+              <a:buFont typeface="Arial" panose="020B0604020202020204" pitchFamily="34" charset="0"/>
+              <a:buChar char="•"/>
+            </a:pPr>
+            <a:endParaRPr lang="en-GB" sz="1400" dirty="0" smtClean="0"/>
+          </a:p>
+          <a:p>
+            <a:pPr marL="285750" indent="-285750">
+              <a:buFont typeface="Arial" panose="020B0604020202020204" pitchFamily="34" charset="0"/>
+              <a:buChar char="•"/>
+            </a:pPr>
+            <a:r>
+              <a:rPr lang="en-GB" sz="1400" dirty="0" smtClean="0"/>
+              <a:t>When the IFC is flat, it means that the item does not provide information on those ability levels;</a:t>
+            </a:r>
+            <a:endParaRPr lang="en-GB" sz="1400" dirty="0" smtClean="0"/>
+          </a:p>
+          <a:p>
+            <a:endParaRPr lang="en-GB" sz="1400" dirty="0"/>
           </a:p>
         </p:txBody>
       </p:sp>
@@ -3824,8 +4081,8 @@
         </p:blipFill>
         <p:spPr>
           <a:xfrm>
-            <a:off x="3486346" y="1260000"/>
-            <a:ext cx="5324654" cy="3696072"/>
+            <a:off x="5220072" y="1484784"/>
+            <a:ext cx="3530716" cy="2450822"/>
           </a:xfrm>
           <a:prstGeom prst="rect">
             <a:avLst/>
@@ -3848,14 +4105,128 @@
         </p:blipFill>
         <p:spPr>
           <a:xfrm>
-            <a:off x="1338262" y="1457325"/>
-            <a:ext cx="6467475" cy="3943350"/>
+            <a:off x="6012160" y="5373216"/>
+            <a:ext cx="2232248" cy="1361047"/>
           </a:xfrm>
           <a:prstGeom prst="rect">
             <a:avLst/>
           </a:prstGeom>
         </p:spPr>
       </p:pic>
+      <p:pic>
+        <p:nvPicPr>
+          <p:cNvPr id="3" name="Picture 2"/>
+          <p:cNvPicPr>
+            <a:picLocks noChangeAspect="1"/>
+          </p:cNvPicPr>
+          <p:nvPr/>
+        </p:nvPicPr>
+        <p:blipFill>
+          <a:blip r:embed="rId4"/>
+          <a:stretch>
+            <a:fillRect/>
+          </a:stretch>
+        </p:blipFill>
+        <p:spPr>
+          <a:xfrm>
+            <a:off x="6673080" y="3935606"/>
+            <a:ext cx="2077708" cy="1271388"/>
+          </a:xfrm>
+          <a:prstGeom prst="rect">
+            <a:avLst/>
+          </a:prstGeom>
+        </p:spPr>
+      </p:pic>
+      <p:sp>
+        <p:nvSpPr>
+          <p:cNvPr id="7" name="TextBox 6"/>
+          <p:cNvSpPr txBox="1"/>
+          <p:nvPr/>
+        </p:nvSpPr>
+        <p:spPr>
+          <a:xfrm>
+            <a:off x="5047338" y="4283993"/>
+            <a:ext cx="1625742" cy="507831"/>
+          </a:xfrm>
+          <a:prstGeom prst="rect">
+            <a:avLst/>
+          </a:prstGeom>
+          <a:noFill/>
+        </p:spPr>
+        <p:txBody>
+          <a:bodyPr wrap="square" rtlCol="0">
+            <a:spAutoFit/>
+          </a:bodyPr>
+          <a:lstStyle/>
+          <a:p>
+            <a:r>
+              <a:rPr lang="en-GB" sz="900" dirty="0" smtClean="0"/>
+              <a:t>Good discrimination across the distribution and well-shaped information curve</a:t>
+            </a:r>
+            <a:endParaRPr lang="en-GB" sz="900" dirty="0"/>
+          </a:p>
+        </p:txBody>
+      </p:sp>
+      <p:sp>
+        <p:nvSpPr>
+          <p:cNvPr id="9" name="TextBox 8"/>
+          <p:cNvSpPr txBox="1"/>
+          <p:nvPr/>
+        </p:nvSpPr>
+        <p:spPr>
+          <a:xfrm>
+            <a:off x="4386418" y="5661248"/>
+            <a:ext cx="1625742" cy="646331"/>
+          </a:xfrm>
+          <a:prstGeom prst="rect">
+            <a:avLst/>
+          </a:prstGeom>
+          <a:noFill/>
+        </p:spPr>
+        <p:txBody>
+          <a:bodyPr wrap="square" rtlCol="0">
+            <a:spAutoFit/>
+          </a:bodyPr>
+          <a:lstStyle/>
+          <a:p>
+            <a:r>
+              <a:rPr lang="en-GB" sz="900" dirty="0" smtClean="0"/>
+              <a:t>Poor discrimination for low level of ability and low information for high level of ability </a:t>
+            </a:r>
+            <a:endParaRPr lang="en-GB" sz="900" dirty="0"/>
+          </a:p>
+        </p:txBody>
+      </p:sp>
+      <p:sp>
+        <p:nvSpPr>
+          <p:cNvPr id="10" name="TextBox 9"/>
+          <p:cNvSpPr txBox="1"/>
+          <p:nvPr/>
+        </p:nvSpPr>
+        <p:spPr>
+          <a:xfrm>
+            <a:off x="3692488" y="2952792"/>
+            <a:ext cx="1625742" cy="784830"/>
+          </a:xfrm>
+          <a:prstGeom prst="rect">
+            <a:avLst/>
+          </a:prstGeom>
+          <a:noFill/>
+        </p:spPr>
+        <p:txBody>
+          <a:bodyPr wrap="square" rtlCol="0">
+            <a:spAutoFit/>
+          </a:bodyPr>
+          <a:lstStyle/>
+          <a:p>
+            <a:r>
+              <a:rPr lang="en-GB" sz="900" dirty="0" smtClean="0"/>
+              <a:t>Good discrimination for a narrow subset of ability levels and similarly information only around them</a:t>
+            </a:r>
+            <a:endParaRPr lang="en-GB" sz="900" dirty="0"/>
+          </a:p>
+        </p:txBody>
+      </p:sp>
     </p:spTree>
     <p:extLst>
       <p:ext uri="{BB962C8B-B14F-4D97-AF65-F5344CB8AC3E}">
@@ -3935,7 +4306,7 @@
         <p:spPr>
           <a:xfrm>
             <a:off x="395536" y="1490530"/>
-            <a:ext cx="3744416" cy="369332"/>
+            <a:ext cx="3744416" cy="2893100"/>
           </a:xfrm>
           <a:prstGeom prst="rect">
             <a:avLst/>
@@ -3948,11 +4319,48 @@
           </a:bodyPr>
           <a:lstStyle/>
           <a:p>
-            <a:r>
-              <a:rPr lang="en-GB" dirty="0" smtClean="0"/>
-              <a:t>.</a:t>
-            </a:r>
-            <a:endParaRPr lang="en-GB" dirty="0"/>
+            <a:pPr marL="285750" indent="-285750">
+              <a:buFont typeface="Arial" panose="020B0604020202020204" pitchFamily="34" charset="0"/>
+              <a:buChar char="•"/>
+            </a:pPr>
+            <a:r>
+              <a:rPr lang="en-GB" sz="1400" dirty="0" smtClean="0"/>
+              <a:t>In the Wright Map, it is possible to locate the items in terms of difficulty (right axis) and compare that to the distribution of ability of the students (left plot);</a:t>
+            </a:r>
+          </a:p>
+          <a:p>
+            <a:pPr marL="285750" indent="-285750">
+              <a:buFont typeface="Arial" panose="020B0604020202020204" pitchFamily="34" charset="0"/>
+              <a:buChar char="•"/>
+            </a:pPr>
+            <a:endParaRPr lang="en-GB" sz="1400" dirty="0"/>
+          </a:p>
+          <a:p>
+            <a:pPr marL="285750" indent="-285750">
+              <a:buFont typeface="Arial" panose="020B0604020202020204" pitchFamily="34" charset="0"/>
+              <a:buChar char="•"/>
+            </a:pPr>
+            <a:r>
+              <a:rPr lang="en-GB" sz="1400" dirty="0" smtClean="0"/>
+              <a:t>Students with ability equal or higher than the difficulty of the items have 50% of answering correctly;</a:t>
+            </a:r>
+          </a:p>
+          <a:p>
+            <a:pPr marL="285750" indent="-285750">
+              <a:buFont typeface="Arial" panose="020B0604020202020204" pitchFamily="34" charset="0"/>
+              <a:buChar char="•"/>
+            </a:pPr>
+            <a:endParaRPr lang="en-GB" sz="1400" dirty="0" smtClean="0"/>
+          </a:p>
+          <a:p>
+            <a:pPr marL="285750" indent="-285750">
+              <a:buFont typeface="Arial" panose="020B0604020202020204" pitchFamily="34" charset="0"/>
+              <a:buChar char="•"/>
+            </a:pPr>
+            <a:r>
+              <a:rPr lang="en-GB" sz="1400" dirty="0" smtClean="0"/>
+              <a:t>The higher the location (difficulty) of the item, the fewer the students able to answer correctly with at least 50% chance.</a:t>
+            </a:r>
           </a:p>
         </p:txBody>
       </p:sp>
@@ -3995,8 +4403,8 @@
         </p:blipFill>
         <p:spPr>
           <a:xfrm>
-            <a:off x="593414" y="1473826"/>
-            <a:ext cx="6930914" cy="5973605"/>
+            <a:off x="5241260" y="1490530"/>
+            <a:ext cx="3095525" cy="2667966"/>
           </a:xfrm>
           <a:prstGeom prst="rect">
             <a:avLst/>
@@ -4019,14 +4427,74 @@
         </p:blipFill>
         <p:spPr>
           <a:xfrm>
-            <a:off x="4448048" y="1473826"/>
-            <a:ext cx="4506489" cy="2647881"/>
+            <a:off x="4947066" y="4236441"/>
+            <a:ext cx="3701953" cy="2175159"/>
           </a:xfrm>
           <a:prstGeom prst="rect">
             <a:avLst/>
           </a:prstGeom>
         </p:spPr>
       </p:pic>
+      <p:sp>
+        <p:nvSpPr>
+          <p:cNvPr id="7" name="TextBox 6"/>
+          <p:cNvSpPr txBox="1"/>
+          <p:nvPr/>
+        </p:nvSpPr>
+        <p:spPr>
+          <a:xfrm>
+            <a:off x="4572000" y="3284984"/>
+            <a:ext cx="1625742" cy="230832"/>
+          </a:xfrm>
+          <a:prstGeom prst="rect">
+            <a:avLst/>
+          </a:prstGeom>
+          <a:noFill/>
+        </p:spPr>
+        <p:txBody>
+          <a:bodyPr wrap="square" rtlCol="0">
+            <a:spAutoFit/>
+          </a:bodyPr>
+          <a:lstStyle/>
+          <a:p>
+            <a:r>
+              <a:rPr lang="en-GB" sz="900" dirty="0" smtClean="0"/>
+              <a:t>Easy item</a:t>
+            </a:r>
+            <a:endParaRPr lang="en-GB" sz="900" dirty="0"/>
+          </a:p>
+        </p:txBody>
+      </p:sp>
+      <p:sp>
+        <p:nvSpPr>
+          <p:cNvPr id="8" name="TextBox 7"/>
+          <p:cNvSpPr txBox="1"/>
+          <p:nvPr/>
+        </p:nvSpPr>
+        <p:spPr>
+          <a:xfrm>
+            <a:off x="4121478" y="5309968"/>
+            <a:ext cx="1625742" cy="230832"/>
+          </a:xfrm>
+          <a:prstGeom prst="rect">
+            <a:avLst/>
+          </a:prstGeom>
+          <a:noFill/>
+        </p:spPr>
+        <p:txBody>
+          <a:bodyPr wrap="square" rtlCol="0">
+            <a:spAutoFit/>
+          </a:bodyPr>
+          <a:lstStyle/>
+          <a:p>
+            <a:r>
+              <a:rPr lang="en-GB" sz="900" dirty="0" smtClean="0"/>
+              <a:t>Difficult item</a:t>
+            </a:r>
+            <a:endParaRPr lang="en-GB" sz="900" dirty="0"/>
+          </a:p>
+        </p:txBody>
+      </p:sp>
     </p:spTree>
     <p:extLst>
       <p:ext uri="{BB962C8B-B14F-4D97-AF65-F5344CB8AC3E}">
@@ -4105,8 +4573,8 @@
         </p:nvSpPr>
         <p:spPr>
           <a:xfrm>
-            <a:off x="395536" y="1490530"/>
-            <a:ext cx="3744416" cy="369332"/>
+            <a:off x="467544" y="1484784"/>
+            <a:ext cx="3456384" cy="3785652"/>
           </a:xfrm>
           <a:prstGeom prst="rect">
             <a:avLst/>
@@ -4119,11 +4587,40 @@
           </a:bodyPr>
           <a:lstStyle/>
           <a:p>
-            <a:r>
-              <a:rPr lang="en-GB" dirty="0" smtClean="0"/>
-              <a:t>.</a:t>
-            </a:r>
-            <a:endParaRPr lang="en-GB" dirty="0"/>
+            <a:pPr marL="285750" indent="-285750">
+              <a:buFont typeface="Arial" panose="020B0604020202020204" pitchFamily="34" charset="0"/>
+              <a:buChar char="•"/>
+            </a:pPr>
+            <a:r>
+              <a:rPr lang="en-GB" sz="1600" dirty="0" smtClean="0"/>
+              <a:t>The test characteristic and information curves provide information on the overall validity and  reliability of the test;</a:t>
+            </a:r>
+          </a:p>
+          <a:p>
+            <a:endParaRPr lang="en-GB" sz="1600" dirty="0" smtClean="0"/>
+          </a:p>
+          <a:p>
+            <a:pPr marL="285750" indent="-285750">
+              <a:buFont typeface="Arial" panose="020B0604020202020204" pitchFamily="34" charset="0"/>
+              <a:buChar char="•"/>
+            </a:pPr>
+            <a:r>
+              <a:rPr lang="en-GB" sz="1600" dirty="0" smtClean="0"/>
+              <a:t>By ticking the items, it possible to observe changes in the two curves as the items are dropped from the sample;</a:t>
+            </a:r>
+          </a:p>
+          <a:p>
+            <a:endParaRPr lang="en-GB" sz="1600" dirty="0" smtClean="0"/>
+          </a:p>
+          <a:p>
+            <a:pPr marL="285750" indent="-285750">
+              <a:buFont typeface="Arial" panose="020B0604020202020204" pitchFamily="34" charset="0"/>
+              <a:buChar char="•"/>
+            </a:pPr>
+            <a:r>
+              <a:rPr lang="en-GB" sz="1600" dirty="0" smtClean="0"/>
+              <a:t>If they improve (e.g. the TIC becomes more bell-shaped) it could be indicative that the items should be dropped.</a:t>
+            </a:r>
           </a:p>
         </p:txBody>
       </p:sp>
@@ -4142,7 +4639,11 @@
           <a:bodyPr/>
           <a:lstStyle/>
           <a:p>
-            <a:endParaRPr lang="en-GB"/>
+            <a:r>
+              <a:rPr lang="en-GB" dirty="0" smtClean="0"/>
+              <a:t>Test information function</a:t>
+            </a:r>
+            <a:endParaRPr lang="en-GB" dirty="0"/>
           </a:p>
         </p:txBody>
       </p:sp>
@@ -4162,8 +4663,8 @@
         </p:blipFill>
         <p:spPr>
           <a:xfrm>
-            <a:off x="232902" y="1294244"/>
-            <a:ext cx="4195082" cy="3653348"/>
+            <a:off x="5220072" y="1397619"/>
+            <a:ext cx="3475002" cy="3026256"/>
           </a:xfrm>
           <a:prstGeom prst="rect">
             <a:avLst/>
@@ -4186,14 +4687,74 @@
         </p:blipFill>
         <p:spPr>
           <a:xfrm>
-            <a:off x="4658550" y="1509545"/>
-            <a:ext cx="3981450" cy="3933825"/>
+            <a:off x="6084168" y="4697759"/>
+            <a:ext cx="2093729" cy="2068684"/>
           </a:xfrm>
           <a:prstGeom prst="rect">
             <a:avLst/>
           </a:prstGeom>
         </p:spPr>
       </p:pic>
+      <p:sp>
+        <p:nvSpPr>
+          <p:cNvPr id="6" name="TextBox 5"/>
+          <p:cNvSpPr txBox="1"/>
+          <p:nvPr/>
+        </p:nvSpPr>
+        <p:spPr>
+          <a:xfrm>
+            <a:off x="4355976" y="2780928"/>
+            <a:ext cx="1008112" cy="246221"/>
+          </a:xfrm>
+          <a:prstGeom prst="rect">
+            <a:avLst/>
+          </a:prstGeom>
+          <a:noFill/>
+        </p:spPr>
+        <p:txBody>
+          <a:bodyPr wrap="square" rtlCol="0">
+            <a:spAutoFit/>
+          </a:bodyPr>
+          <a:lstStyle/>
+          <a:p>
+            <a:r>
+              <a:rPr lang="en-GB" sz="1000" dirty="0" smtClean="0"/>
+              <a:t>Original TIF</a:t>
+            </a:r>
+            <a:endParaRPr lang="en-GB" sz="1000" dirty="0"/>
+          </a:p>
+        </p:txBody>
+      </p:sp>
+      <p:sp>
+        <p:nvSpPr>
+          <p:cNvPr id="10" name="TextBox 9"/>
+          <p:cNvSpPr txBox="1"/>
+          <p:nvPr/>
+        </p:nvSpPr>
+        <p:spPr>
+          <a:xfrm>
+            <a:off x="4788000" y="5474193"/>
+            <a:ext cx="1008112" cy="553998"/>
+          </a:xfrm>
+          <a:prstGeom prst="rect">
+            <a:avLst/>
+          </a:prstGeom>
+          <a:noFill/>
+        </p:spPr>
+        <p:txBody>
+          <a:bodyPr wrap="square" rtlCol="0">
+            <a:spAutoFit/>
+          </a:bodyPr>
+          <a:lstStyle/>
+          <a:p>
+            <a:r>
+              <a:rPr lang="en-GB" sz="1000" dirty="0" smtClean="0"/>
+              <a:t>Improved TIF after dropping one item</a:t>
+            </a:r>
+            <a:endParaRPr lang="en-GB" sz="1000" dirty="0"/>
+          </a:p>
+        </p:txBody>
+      </p:sp>
     </p:spTree>
     <p:extLst>
       <p:ext uri="{BB962C8B-B14F-4D97-AF65-F5344CB8AC3E}">
@@ -4272,8 +4833,8 @@
         </p:nvSpPr>
         <p:spPr>
           <a:xfrm>
-            <a:off x="323528" y="1628800"/>
-            <a:ext cx="3744416" cy="923330"/>
+            <a:off x="251520" y="1456496"/>
+            <a:ext cx="3744416" cy="4339650"/>
           </a:xfrm>
           <a:prstGeom prst="rect">
             <a:avLst/>
@@ -4286,20 +4847,110 @@
           </a:bodyPr>
           <a:lstStyle/>
           <a:p>
-            <a:r>
-              <a:rPr lang="en-GB" dirty="0" smtClean="0"/>
-              <a:t>.wiggle, model variability</a:t>
-            </a:r>
-          </a:p>
-          <a:p>
-            <a:endParaRPr lang="en-GB" dirty="0"/>
-          </a:p>
-          <a:p>
-            <a:r>
-              <a:rPr lang="en-GB" dirty="0" smtClean="0"/>
-              <a:t>Definition of EAP</a:t>
-            </a:r>
-            <a:endParaRPr lang="en-GB" dirty="0"/>
+            <a:pPr marL="285750" indent="-285750">
+              <a:buFont typeface="Arial" panose="020B0604020202020204" pitchFamily="34" charset="0"/>
+              <a:buChar char="•"/>
+            </a:pPr>
+            <a:r>
+              <a:rPr lang="en-GB" sz="1200" dirty="0" smtClean="0"/>
+              <a:t>Expected  A Posteriori (EAP): </a:t>
+            </a:r>
+            <a:r>
+              <a:rPr lang="en-US" sz="1200" dirty="0" smtClean="0"/>
+              <a:t>posterior </a:t>
+            </a:r>
+            <a:r>
+              <a:rPr lang="en-US" sz="1200" dirty="0"/>
+              <a:t>probability distribution of latent trait </a:t>
+            </a:r>
+            <a:r>
+              <a:rPr lang="en-US" sz="1200" dirty="0" smtClean="0"/>
+              <a:t>scores --</a:t>
+            </a:r>
+            <a:r>
+              <a:rPr lang="en-US" sz="1200" dirty="0"/>
+              <a:t>specifically, the </a:t>
+            </a:r>
+            <a:r>
+              <a:rPr lang="en-US" sz="1200" dirty="0" smtClean="0"/>
+              <a:t>predicted (from our prior background information) distribution </a:t>
+            </a:r>
+            <a:r>
+              <a:rPr lang="en-US" sz="1200" dirty="0"/>
+              <a:t>of scores for a given </a:t>
+            </a:r>
+            <a:r>
+              <a:rPr lang="en-US" sz="1200" dirty="0" smtClean="0"/>
+              <a:t>student </a:t>
+            </a:r>
+            <a:r>
+              <a:rPr lang="en-US" sz="1200" dirty="0"/>
+              <a:t>given (a) the response pattern of that </a:t>
+            </a:r>
+            <a:r>
+              <a:rPr lang="en-US" sz="1200" dirty="0" smtClean="0"/>
+              <a:t>student, </a:t>
+            </a:r>
+            <a:r>
+              <a:rPr lang="en-US" sz="1200" dirty="0"/>
+              <a:t>and (b) the estimated model </a:t>
+            </a:r>
+            <a:r>
+              <a:rPr lang="en-US" sz="1200" dirty="0" smtClean="0"/>
+              <a:t>parameters;</a:t>
+            </a:r>
+          </a:p>
+          <a:p>
+            <a:pPr marL="285750" indent="-285750">
+              <a:buFont typeface="Arial" panose="020B0604020202020204" pitchFamily="34" charset="0"/>
+              <a:buChar char="•"/>
+            </a:pPr>
+            <a:endParaRPr lang="en-US" sz="1200" dirty="0"/>
+          </a:p>
+          <a:p>
+            <a:pPr marL="285750" indent="-285750">
+              <a:buFont typeface="Arial" panose="020B0604020202020204" pitchFamily="34" charset="0"/>
+              <a:buChar char="•"/>
+            </a:pPr>
+            <a:r>
+              <a:rPr lang="en-US" sz="1200" dirty="0" smtClean="0"/>
+              <a:t>If the mean and the SD of the EAP start to wiggle as the number of PCA vectors reaches a certain threshold, it means that the computed ability estimates are unstable;</a:t>
+            </a:r>
+          </a:p>
+          <a:p>
+            <a:pPr marL="285750" indent="-285750">
+              <a:buFont typeface="Arial" panose="020B0604020202020204" pitchFamily="34" charset="0"/>
+              <a:buChar char="•"/>
+            </a:pPr>
+            <a:endParaRPr lang="en-US" sz="1200" dirty="0" smtClean="0"/>
+          </a:p>
+          <a:p>
+            <a:pPr marL="285750" indent="-285750">
+              <a:buFont typeface="Arial" panose="020B0604020202020204" pitchFamily="34" charset="0"/>
+              <a:buChar char="•"/>
+            </a:pPr>
+            <a:r>
+              <a:rPr lang="en-US" sz="1200" dirty="0" smtClean="0"/>
+              <a:t>If the model variance goes to zero (or similarly the Mean of the SD of EAP), then it signals that all the variability in the model is provided by the prior background information and the students’ test responses play no role;</a:t>
+            </a:r>
+          </a:p>
+          <a:p>
+            <a:pPr marL="285750" indent="-285750">
+              <a:buFont typeface="Arial" panose="020B0604020202020204" pitchFamily="34" charset="0"/>
+              <a:buChar char="•"/>
+            </a:pPr>
+            <a:endParaRPr lang="en-US" sz="1200" dirty="0"/>
+          </a:p>
+          <a:p>
+            <a:pPr marL="285750" indent="-285750">
+              <a:buFont typeface="Arial" panose="020B0604020202020204" pitchFamily="34" charset="0"/>
+              <a:buChar char="•"/>
+            </a:pPr>
+            <a:r>
+              <a:rPr lang="en-US" sz="1200" dirty="0" smtClean="0"/>
+              <a:t>Reducing the number of factors ( corresponding to the percentage of variance explained) or increasing the sample size could ensure more stable and reliable estimates.</a:t>
+            </a:r>
+            <a:endParaRPr lang="en-GB" sz="1200" dirty="0"/>
           </a:p>
         </p:txBody>
       </p:sp>
@@ -4342,8 +4993,8 @@
         </p:blipFill>
         <p:spPr>
           <a:xfrm>
-            <a:off x="3457888" y="1412776"/>
-            <a:ext cx="5375953" cy="2592288"/>
+            <a:off x="4204548" y="1412776"/>
+            <a:ext cx="4629293" cy="2232248"/>
           </a:xfrm>
           <a:prstGeom prst="rect">
             <a:avLst/>
@@ -4366,14 +5017,74 @@
         </p:blipFill>
         <p:spPr>
           <a:xfrm>
-            <a:off x="1392337" y="2268225"/>
-            <a:ext cx="6791325" cy="4143375"/>
+            <a:off x="5243416" y="3797800"/>
+            <a:ext cx="3590425" cy="2190512"/>
           </a:xfrm>
           <a:prstGeom prst="rect">
             <a:avLst/>
           </a:prstGeom>
         </p:spPr>
       </p:pic>
+      <p:sp>
+        <p:nvSpPr>
+          <p:cNvPr id="7" name="TextBox 6"/>
+          <p:cNvSpPr txBox="1"/>
+          <p:nvPr/>
+        </p:nvSpPr>
+        <p:spPr>
+          <a:xfrm>
+            <a:off x="4283944" y="2996952"/>
+            <a:ext cx="1008112" cy="400110"/>
+          </a:xfrm>
+          <a:prstGeom prst="rect">
+            <a:avLst/>
+          </a:prstGeom>
+          <a:noFill/>
+        </p:spPr>
+        <p:txBody>
+          <a:bodyPr wrap="square" rtlCol="0">
+            <a:spAutoFit/>
+          </a:bodyPr>
+          <a:lstStyle/>
+          <a:p>
+            <a:r>
+              <a:rPr lang="en-GB" sz="1000" b="1" dirty="0" smtClean="0"/>
+              <a:t>Unstable estimates</a:t>
+            </a:r>
+            <a:endParaRPr lang="en-GB" sz="1000" b="1" dirty="0"/>
+          </a:p>
+        </p:txBody>
+      </p:sp>
+      <p:sp>
+        <p:nvSpPr>
+          <p:cNvPr id="8" name="TextBox 7"/>
+          <p:cNvSpPr txBox="1"/>
+          <p:nvPr/>
+        </p:nvSpPr>
+        <p:spPr>
+          <a:xfrm>
+            <a:off x="4313660" y="4492946"/>
+            <a:ext cx="1008112" cy="400110"/>
+          </a:xfrm>
+          <a:prstGeom prst="rect">
+            <a:avLst/>
+          </a:prstGeom>
+          <a:noFill/>
+        </p:spPr>
+        <p:txBody>
+          <a:bodyPr wrap="square" rtlCol="0">
+            <a:spAutoFit/>
+          </a:bodyPr>
+          <a:lstStyle/>
+          <a:p>
+            <a:r>
+              <a:rPr lang="en-GB" sz="1000" b="1" dirty="0" smtClean="0"/>
+              <a:t>Stable estimates</a:t>
+            </a:r>
+            <a:endParaRPr lang="en-GB" sz="1000" b="1" dirty="0"/>
+          </a:p>
+        </p:txBody>
+      </p:sp>
     </p:spTree>
     <p:extLst>
       <p:ext uri="{BB962C8B-B14F-4D97-AF65-F5344CB8AC3E}">
@@ -4453,7 +5164,7 @@
         <p:spPr>
           <a:xfrm>
             <a:off x="395536" y="1490530"/>
-            <a:ext cx="3744416" cy="369332"/>
+            <a:ext cx="8352928" cy="646331"/>
           </a:xfrm>
           <a:prstGeom prst="rect">
             <a:avLst/>
@@ -4461,16 +5172,34 @@
           <a:noFill/>
         </p:spPr>
         <p:txBody>
-          <a:bodyPr wrap="square" rtlCol="0">
+          <a:bodyPr wrap="square" numCol="2" rtlCol="0">
             <a:spAutoFit/>
           </a:bodyPr>
           <a:lstStyle/>
           <a:p>
+            <a:pPr marL="285750" indent="-285750">
+              <a:buFont typeface="Arial" panose="020B0604020202020204" pitchFamily="34" charset="0"/>
+              <a:buChar char="•"/>
+            </a:pPr>
             <a:r>
               <a:rPr lang="en-GB" dirty="0" smtClean="0"/>
-              <a:t>.</a:t>
-            </a:r>
-            <a:endParaRPr lang="en-GB" dirty="0"/>
+              <a:t>The last panel shows the final results</a:t>
+            </a:r>
+            <a:r>
+              <a:rPr lang="en-GB" dirty="0"/>
+              <a:t>	</a:t>
+            </a:r>
+            <a:endParaRPr lang="en-GB" dirty="0" smtClean="0"/>
+          </a:p>
+          <a:p>
+            <a:pPr marL="285750" indent="-285750">
+              <a:buFont typeface="Arial" panose="020B0604020202020204" pitchFamily="34" charset="0"/>
+              <a:buChar char="•"/>
+            </a:pPr>
+            <a:r>
+              <a:rPr lang="en-GB" dirty="0" smtClean="0"/>
+              <a:t>It is required to have PCA input data to compute the final scores</a:t>
+            </a:r>
           </a:p>
         </p:txBody>
       </p:sp>
@@ -4513,8 +5242,8 @@
         </p:blipFill>
         <p:spPr>
           <a:xfrm>
-            <a:off x="76200" y="1023937"/>
-            <a:ext cx="8991600" cy="4810125"/>
+            <a:off x="611560" y="2398641"/>
+            <a:ext cx="7506861" cy="4015853"/>
           </a:xfrm>
           <a:prstGeom prst="rect">
             <a:avLst/>
@@ -4803,7 +5532,7 @@
             </a:r>
             <a:r>
               <a:rPr lang="es-ES" sz="2000" dirty="0" err="1" smtClean="0"/>
-              <a:t>the</a:t>
+              <a:t>their</a:t>
             </a:r>
             <a:r>
               <a:rPr lang="es-ES" sz="2000" dirty="0" smtClean="0"/>
@@ -5121,15 +5850,7 @@
           <a:p>
             <a:r>
               <a:rPr lang="en-GB" dirty="0" smtClean="0"/>
-              <a:t>Standardised template and </a:t>
-            </a:r>
-            <a:r>
-              <a:rPr lang="en-GB" dirty="0" smtClean="0"/>
-              <a:t>reproducible R </a:t>
-            </a:r>
-            <a:r>
-              <a:rPr lang="en-GB" dirty="0" smtClean="0"/>
-              <a:t>code;</a:t>
+              <a:t>Standardised template and reproducible R code;</a:t>
             </a:r>
           </a:p>
           <a:p>
@@ -5140,7 +5861,6 @@
               <a:rPr lang="en-GB" dirty="0" smtClean="0"/>
               <a:t>Integrated tool for all countries;</a:t>
             </a:r>
-            <a:endParaRPr lang="en-GB" dirty="0" smtClean="0"/>
           </a:p>
           <a:p>
             <a:endParaRPr lang="en-GB" dirty="0" smtClean="0"/>
@@ -5157,20 +5877,16 @@
           <a:p>
             <a:r>
               <a:rPr lang="en-GB" dirty="0" smtClean="0"/>
-              <a:t>Interactivity</a:t>
-            </a:r>
+              <a:t>Interactivity;</a:t>
+            </a:r>
+          </a:p>
+          <a:p>
+            <a:endParaRPr lang="en-GB" dirty="0"/>
+          </a:p>
+          <a:p>
             <a:r>
               <a:rPr lang="en-GB" dirty="0" smtClean="0"/>
-              <a:t>;</a:t>
-            </a:r>
-          </a:p>
-          <a:p>
-            <a:endParaRPr lang="en-GB" dirty="0"/>
-          </a:p>
-          <a:p>
-            <a:r>
-              <a:rPr lang="en-GB" dirty="0" smtClean="0"/>
-              <a:t>Easy to customise/expand;</a:t>
+              <a:t>Scalability;</a:t>
             </a:r>
             <a:endParaRPr lang="en-GB" dirty="0" smtClean="0"/>
           </a:p>
@@ -5220,61 +5936,6 @@
               <a:t>The new validation study</a:t>
             </a:r>
             <a:endParaRPr lang="en-GB" dirty="0"/>
-          </a:p>
-        </p:txBody>
-      </p:sp>
-      <p:sp>
-        <p:nvSpPr>
-          <p:cNvPr id="4" name="5-Point Star 3"/>
-          <p:cNvSpPr/>
-          <p:nvPr/>
-        </p:nvSpPr>
-        <p:spPr>
-          <a:xfrm rot="977222">
-            <a:off x="5203731" y="4362043"/>
-            <a:ext cx="2806550" cy="2071264"/>
-          </a:xfrm>
-          <a:prstGeom prst="star5">
-            <a:avLst/>
-          </a:prstGeom>
-          <a:solidFill>
-            <a:srgbClr val="FFFF00"/>
-          </a:solidFill>
-        </p:spPr>
-        <p:style>
-          <a:lnRef idx="2">
-            <a:schemeClr val="accent1">
-              <a:shade val="50000"/>
-            </a:schemeClr>
-          </a:lnRef>
-          <a:fillRef idx="1">
-            <a:schemeClr val="accent1"/>
-          </a:fillRef>
-          <a:effectRef idx="0">
-            <a:schemeClr val="accent1"/>
-          </a:effectRef>
-          <a:fontRef idx="minor">
-            <a:schemeClr val="lt1"/>
-          </a:fontRef>
-        </p:style>
-        <p:txBody>
-          <a:bodyPr rtlCol="0" anchor="ctr"/>
-          <a:lstStyle/>
-          <a:p>
-            <a:pPr algn="ctr"/>
-            <a:r>
-              <a:rPr lang="en-GB" dirty="0" smtClean="0">
-                <a:solidFill>
-                  <a:sysClr val="windowText" lastClr="000000"/>
-                </a:solidFill>
-              </a:rPr>
-              <a:t>Video preview</a:t>
-            </a:r>
-            <a:endParaRPr lang="en-GB" dirty="0">
-              <a:solidFill>
-                <a:sysClr val="windowText" lastClr="000000"/>
-              </a:solidFill>
-            </a:endParaRPr>
           </a:p>
         </p:txBody>
       </p:sp>
@@ -5371,157 +6032,738 @@
           </a:p>
         </p:txBody>
       </p:sp>
-      <p:sp>
-        <p:nvSpPr>
-          <p:cNvPr id="10" name="Content Placeholder 9"/>
-          <p:cNvSpPr>
-            <a:spLocks noGrp="1"/>
-          </p:cNvSpPr>
+      <p:graphicFrame>
+        <p:nvGraphicFramePr>
+          <p:cNvPr id="2" name="Table 1"/>
+          <p:cNvGraphicFramePr>
+            <a:graphicFrameLocks noGrp="1"/>
+          </p:cNvGraphicFramePr>
           <p:nvPr>
-            <p:ph idx="1"/>
+            <p:extLst>
+              <p:ext uri="{D42A27DB-BD31-4B8C-83A1-F6EECF244321}">
+                <p14:modId xmlns:p14="http://schemas.microsoft.com/office/powerpoint/2010/main" val="2688675196"/>
+              </p:ext>
+            </p:extLst>
           </p:nvPr>
-        </p:nvSpPr>
-        <p:spPr>
-          <a:xfrm>
-            <a:off x="0" y="1370742"/>
-            <a:ext cx="9252520" cy="5256000"/>
-          </a:xfrm>
-        </p:spPr>
-        <p:txBody>
-          <a:bodyPr>
-            <a:noAutofit/>
-          </a:bodyPr>
-          <a:lstStyle/>
-          <a:p>
-            <a:r>
-              <a:rPr lang="en-GB" sz="2000" dirty="0" smtClean="0"/>
-              <a:t>Create an exportable template (e.g. PDF/Word);</a:t>
-            </a:r>
-          </a:p>
-          <a:p>
-            <a:r>
-              <a:rPr lang="en-GB" sz="2000" dirty="0" smtClean="0"/>
-              <a:t>Add school-level analysis, e.g.:</a:t>
-            </a:r>
-          </a:p>
-          <a:p>
-            <a:pPr lvl="1"/>
-            <a:r>
-              <a:rPr lang="en-GB" sz="1600" dirty="0" smtClean="0"/>
-              <a:t>Percentage of correct responses to each item</a:t>
-            </a:r>
-          </a:p>
-          <a:p>
-            <a:pPr lvl="1"/>
-            <a:r>
-              <a:rPr lang="en-GB" sz="1600" dirty="0" smtClean="0"/>
-              <a:t>Percentage of missing/not-reached items to each item</a:t>
-            </a:r>
-          </a:p>
-          <a:p>
-            <a:r>
-              <a:rPr lang="en-GB" sz="2000" dirty="0" smtClean="0"/>
-              <a:t>Add cross-country comparisons, e.g.:</a:t>
-            </a:r>
-          </a:p>
-          <a:p>
-            <a:pPr lvl="1"/>
-            <a:r>
-              <a:rPr lang="en-GB" sz="1600" dirty="0" smtClean="0"/>
-              <a:t>Gender DIF between country A and Pilot (or country B)</a:t>
-            </a:r>
-          </a:p>
-          <a:p>
-            <a:pPr lvl="1"/>
-            <a:r>
-              <a:rPr lang="en-GB" sz="1600" dirty="0" smtClean="0"/>
-              <a:t>IRT item difficulty between country A and B (or country B with same language as A)</a:t>
-            </a:r>
-          </a:p>
-          <a:p>
-            <a:r>
-              <a:rPr lang="en-GB" sz="2000" dirty="0" smtClean="0"/>
-              <a:t>Create diagnostics checks for every year, e.g.:</a:t>
-            </a:r>
-          </a:p>
-          <a:p>
-            <a:pPr lvl="1"/>
-            <a:r>
-              <a:rPr lang="en-GB" sz="1600" dirty="0" smtClean="0"/>
-              <a:t>Gender DIF</a:t>
-            </a:r>
-          </a:p>
-          <a:p>
-            <a:pPr lvl="1"/>
-            <a:r>
-              <a:rPr lang="en-GB" sz="1600" dirty="0" smtClean="0"/>
-              <a:t>Point-</a:t>
-            </a:r>
-            <a:r>
-              <a:rPr lang="en-GB" sz="1600" dirty="0" err="1" smtClean="0"/>
-              <a:t>biserial</a:t>
-            </a:r>
-            <a:r>
-              <a:rPr lang="en-GB" sz="1600" dirty="0" smtClean="0"/>
-              <a:t> correlation (“</a:t>
-            </a:r>
-            <a:r>
-              <a:rPr lang="en-GB" sz="1600" dirty="0" err="1" smtClean="0"/>
-              <a:t>mis</a:t>
-            </a:r>
-            <a:r>
-              <a:rPr lang="en-GB" sz="1600" dirty="0" smtClean="0"/>
-              <a:t>-keyed items”)</a:t>
-            </a:r>
-          </a:p>
-          <a:p>
-            <a:pPr lvl="1"/>
-            <a:r>
-              <a:rPr lang="en-GB" sz="1600" dirty="0" smtClean="0"/>
-              <a:t>PCA analysis (“Westminster”)</a:t>
-            </a:r>
-          </a:p>
-          <a:p>
-            <a:pPr lvl="1"/>
-            <a:r>
-              <a:rPr lang="en-GB" sz="1600" dirty="0" smtClean="0"/>
-              <a:t>Percentage of correct responses to each item over time (“teaching to the test”)</a:t>
-            </a:r>
-          </a:p>
-          <a:p>
-            <a:r>
-              <a:rPr lang="en-GB" sz="2000" dirty="0" smtClean="0"/>
-              <a:t>Add integration to gold-dataset generator (“control room”);</a:t>
-            </a:r>
-          </a:p>
-          <a:p>
-            <a:r>
-              <a:rPr lang="en-GB" sz="2000" dirty="0"/>
-              <a:t>Include item preview for dodgy items (source and national versions)</a:t>
-            </a:r>
-          </a:p>
-          <a:p>
-            <a:endParaRPr lang="en-GB" sz="2000" dirty="0" smtClean="0"/>
-          </a:p>
-          <a:p>
-            <a:pPr lvl="1"/>
-            <a:endParaRPr lang="en-GB" sz="1600" dirty="0" smtClean="0"/>
-          </a:p>
-          <a:p>
-            <a:endParaRPr lang="en-GB" sz="2000" dirty="0" smtClean="0"/>
-          </a:p>
-          <a:p>
-            <a:pPr lvl="1"/>
-            <a:endParaRPr lang="en-GB" sz="1600" dirty="0" smtClean="0"/>
-          </a:p>
-          <a:p>
-            <a:endParaRPr lang="en-GB" sz="2000" dirty="0" smtClean="0"/>
-          </a:p>
-          <a:p>
-            <a:endParaRPr lang="en-GB" sz="2000" dirty="0"/>
-          </a:p>
-        </p:txBody>
-      </p:sp>
+        </p:nvGraphicFramePr>
+        <p:xfrm>
+          <a:off x="467544" y="1364777"/>
+          <a:ext cx="8172456" cy="5316415"/>
+        </p:xfrm>
+        <a:graphic>
+          <a:graphicData uri="http://schemas.openxmlformats.org/drawingml/2006/table">
+            <a:tbl>
+              <a:tblPr firstRow="1" bandRow="1">
+                <a:tableStyleId>{5C22544A-7EE6-4342-B048-85BDC9FD1C3A}</a:tableStyleId>
+              </a:tblPr>
+              <a:tblGrid>
+                <a:gridCol w="1172793">
+                  <a:extLst>
+                    <a:ext uri="{9D8B030D-6E8A-4147-A177-3AD203B41FA5}">
+                      <a16:colId xmlns:a16="http://schemas.microsoft.com/office/drawing/2014/main" val="3506475510"/>
+                    </a:ext>
+                  </a:extLst>
+                </a:gridCol>
+                <a:gridCol w="3371779">
+                  <a:extLst>
+                    <a:ext uri="{9D8B030D-6E8A-4147-A177-3AD203B41FA5}">
+                      <a16:colId xmlns:a16="http://schemas.microsoft.com/office/drawing/2014/main" val="284095947"/>
+                    </a:ext>
+                  </a:extLst>
+                </a:gridCol>
+                <a:gridCol w="3627884">
+                  <a:extLst>
+                    <a:ext uri="{9D8B030D-6E8A-4147-A177-3AD203B41FA5}">
+                      <a16:colId xmlns:a16="http://schemas.microsoft.com/office/drawing/2014/main" val="529922695"/>
+                    </a:ext>
+                  </a:extLst>
+                </a:gridCol>
+              </a:tblGrid>
+              <a:tr h="330598">
+                <a:tc>
+                  <a:txBody>
+                    <a:bodyPr/>
+                    <a:lstStyle/>
+                    <a:p>
+                      <a:r>
+                        <a:rPr lang="en-GB" sz="1200" dirty="0" smtClean="0"/>
+                        <a:t>Actions</a:t>
+                      </a:r>
+                      <a:endParaRPr lang="en-GB" sz="1200" dirty="0"/>
+                    </a:p>
+                  </a:txBody>
+                  <a:tcPr/>
+                </a:tc>
+                <a:tc>
+                  <a:txBody>
+                    <a:bodyPr/>
+                    <a:lstStyle/>
+                    <a:p>
+                      <a:r>
+                        <a:rPr lang="en-GB" sz="1200" dirty="0" smtClean="0"/>
+                        <a:t>Examples</a:t>
+                      </a:r>
+                      <a:endParaRPr lang="en-GB" sz="1200" dirty="0"/>
+                    </a:p>
+                  </a:txBody>
+                  <a:tcPr/>
+                </a:tc>
+                <a:tc>
+                  <a:txBody>
+                    <a:bodyPr/>
+                    <a:lstStyle/>
+                    <a:p>
+                      <a:r>
+                        <a:rPr lang="en-GB" sz="1200" dirty="0" smtClean="0"/>
+                        <a:t>Benefits</a:t>
+                      </a:r>
+                      <a:endParaRPr lang="en-GB" sz="1200" dirty="0"/>
+                    </a:p>
+                  </a:txBody>
+                  <a:tcPr/>
+                </a:tc>
+                <a:extLst>
+                  <a:ext uri="{0D108BD9-81ED-4DB2-BD59-A6C34878D82A}">
+                    <a16:rowId xmlns:a16="http://schemas.microsoft.com/office/drawing/2014/main" val="2283631217"/>
+                  </a:ext>
+                </a:extLst>
+              </a:tr>
+              <a:tr h="407587">
+                <a:tc>
+                  <a:txBody>
+                    <a:bodyPr/>
+                    <a:lstStyle/>
+                    <a:p>
+                      <a:r>
+                        <a:rPr lang="en-GB" sz="1100" dirty="0" smtClean="0"/>
+                        <a:t>Creating an exportable</a:t>
+                      </a:r>
+                      <a:r>
+                        <a:rPr lang="en-GB" sz="1100" baseline="0" dirty="0" smtClean="0"/>
+                        <a:t> template</a:t>
+                      </a:r>
+                      <a:endParaRPr lang="en-GB" sz="1100" dirty="0"/>
+                    </a:p>
+                  </a:txBody>
+                  <a:tcPr/>
+                </a:tc>
+                <a:tc>
+                  <a:txBody>
+                    <a:bodyPr/>
+                    <a:lstStyle/>
+                    <a:p>
+                      <a:r>
+                        <a:rPr lang="en-GB" sz="1100" dirty="0" smtClean="0"/>
+                        <a:t>Markdown</a:t>
+                      </a:r>
+                      <a:r>
+                        <a:rPr lang="en-GB" sz="1100" baseline="0" dirty="0" smtClean="0"/>
+                        <a:t> document to export results as </a:t>
+                      </a:r>
+                      <a:r>
+                        <a:rPr lang="en-GB" sz="1100" dirty="0" smtClean="0"/>
+                        <a:t>PDF</a:t>
+                      </a:r>
+                      <a:r>
+                        <a:rPr lang="en-GB" sz="1100" baseline="0" dirty="0" smtClean="0"/>
+                        <a:t>/Word/HTML</a:t>
+                      </a:r>
+                      <a:endParaRPr lang="en-GB" sz="1100" dirty="0"/>
+                    </a:p>
+                  </a:txBody>
+                  <a:tcPr/>
+                </a:tc>
+                <a:tc>
+                  <a:txBody>
+                    <a:bodyPr/>
+                    <a:lstStyle/>
+                    <a:p>
+                      <a:pPr marL="171450" indent="-171450">
+                        <a:buFont typeface="Arial" panose="020B0604020202020204" pitchFamily="34" charset="0"/>
+                        <a:buChar char="•"/>
+                      </a:pPr>
+                      <a:r>
+                        <a:rPr lang="en-GB" sz="1100" dirty="0" smtClean="0"/>
+                        <a:t>Having a document to share with NSPs/</a:t>
+                      </a:r>
+                      <a:r>
+                        <a:rPr lang="en-GB" sz="1100" dirty="0" err="1" smtClean="0"/>
+                        <a:t>MoEs</a:t>
+                      </a:r>
+                      <a:r>
+                        <a:rPr lang="en-GB" sz="1100" baseline="0" dirty="0" smtClean="0"/>
+                        <a:t> irrespective of their technical capacity</a:t>
+                      </a:r>
+                    </a:p>
+                    <a:p>
+                      <a:pPr marL="171450" indent="-171450">
+                        <a:buFont typeface="Arial" panose="020B0604020202020204" pitchFamily="34" charset="0"/>
+                        <a:buChar char="•"/>
+                      </a:pPr>
+                      <a:r>
+                        <a:rPr lang="en-GB" sz="1100" dirty="0" smtClean="0"/>
+                        <a:t>Creating</a:t>
+                      </a:r>
+                      <a:r>
+                        <a:rPr lang="en-GB" sz="1100" baseline="0" dirty="0" smtClean="0"/>
+                        <a:t> a repository with reports for each country/year</a:t>
+                      </a:r>
+                      <a:endParaRPr lang="en-GB" sz="1100" dirty="0"/>
+                    </a:p>
+                  </a:txBody>
+                  <a:tcPr/>
+                </a:tc>
+                <a:extLst>
+                  <a:ext uri="{0D108BD9-81ED-4DB2-BD59-A6C34878D82A}">
+                    <a16:rowId xmlns:a16="http://schemas.microsoft.com/office/drawing/2014/main" val="4072870566"/>
+                  </a:ext>
+                </a:extLst>
+              </a:tr>
+              <a:tr h="733656">
+                <a:tc>
+                  <a:txBody>
+                    <a:bodyPr/>
+                    <a:lstStyle/>
+                    <a:p>
+                      <a:pPr marL="0" algn="l" rtl="0" eaLnBrk="1" latinLnBrk="0" hangingPunct="1"/>
+                      <a:r>
+                        <a:rPr kumimoji="0" lang="en-GB" sz="1100" kern="1200" dirty="0" smtClean="0">
+                          <a:solidFill>
+                            <a:schemeClr val="dk1"/>
+                          </a:solidFill>
+                          <a:latin typeface="+mn-lt"/>
+                          <a:ea typeface="+mn-ea"/>
+                          <a:cs typeface="+mn-cs"/>
+                        </a:rPr>
+                        <a:t>Adding school-level analysis</a:t>
+                      </a:r>
+                      <a:endParaRPr kumimoji="0" lang="en-GB" sz="1100" kern="1200" dirty="0">
+                        <a:solidFill>
+                          <a:schemeClr val="dk1"/>
+                        </a:solidFill>
+                        <a:latin typeface="+mn-lt"/>
+                        <a:ea typeface="+mn-ea"/>
+                        <a:cs typeface="+mn-cs"/>
+                      </a:endParaRPr>
+                    </a:p>
+                  </a:txBody>
+                  <a:tcPr/>
+                </a:tc>
+                <a:tc>
+                  <a:txBody>
+                    <a:bodyPr/>
+                    <a:lstStyle/>
+                    <a:p>
+                      <a:pPr marL="0" lvl="1" indent="0" algn="l" rtl="0" eaLnBrk="1" latinLnBrk="0" hangingPunct="1">
+                        <a:buFont typeface="Arial" panose="020B0604020202020204" pitchFamily="34" charset="0"/>
+                        <a:buNone/>
+                      </a:pPr>
+                      <a:r>
+                        <a:rPr kumimoji="0" lang="en-GB" sz="1100" kern="1200" dirty="0" smtClean="0">
+                          <a:solidFill>
+                            <a:schemeClr val="dk1"/>
+                          </a:solidFill>
+                          <a:latin typeface="+mn-lt"/>
+                          <a:ea typeface="+mn-ea"/>
+                          <a:cs typeface="+mn-cs"/>
+                        </a:rPr>
+                        <a:t>% of correct responses to each item</a:t>
+                      </a:r>
+                    </a:p>
+                    <a:p>
+                      <a:pPr marL="0" lvl="1" indent="0" algn="l" rtl="0" eaLnBrk="1" latinLnBrk="0" hangingPunct="1">
+                        <a:buFont typeface="Arial" panose="020B0604020202020204" pitchFamily="34" charset="0"/>
+                        <a:buNone/>
+                      </a:pPr>
+                      <a:r>
+                        <a:rPr kumimoji="0" lang="en-GB" sz="1100" kern="1200" dirty="0" smtClean="0">
+                          <a:solidFill>
+                            <a:schemeClr val="dk1"/>
+                          </a:solidFill>
+                          <a:latin typeface="+mn-lt"/>
+                          <a:ea typeface="+mn-ea"/>
+                          <a:cs typeface="+mn-cs"/>
+                        </a:rPr>
+                        <a:t>% of missing/not-reached items to each item</a:t>
+                      </a:r>
+                    </a:p>
+                    <a:p>
+                      <a:pPr marL="0" algn="l" rtl="0" eaLnBrk="1" latinLnBrk="0" hangingPunct="1"/>
+                      <a:endParaRPr kumimoji="0" lang="en-GB" sz="1100" kern="1200" dirty="0">
+                        <a:solidFill>
+                          <a:schemeClr val="dk1"/>
+                        </a:solidFill>
+                        <a:latin typeface="+mn-lt"/>
+                        <a:ea typeface="+mn-ea"/>
+                        <a:cs typeface="+mn-cs"/>
+                      </a:endParaRPr>
+                    </a:p>
+                  </a:txBody>
+                  <a:tcPr/>
+                </a:tc>
+                <a:tc>
+                  <a:txBody>
+                    <a:bodyPr/>
+                    <a:lstStyle/>
+                    <a:p>
+                      <a:pPr marL="171450" indent="-171450">
+                        <a:buFont typeface="Arial" panose="020B0604020202020204" pitchFamily="34" charset="0"/>
+                        <a:buChar char="•"/>
+                      </a:pPr>
+                      <a:r>
+                        <a:rPr lang="en-GB" sz="1100" dirty="0" smtClean="0"/>
+                        <a:t>Detecting</a:t>
+                      </a:r>
+                      <a:r>
+                        <a:rPr lang="en-GB" sz="1100" baseline="0" dirty="0" smtClean="0"/>
+                        <a:t> issues with implementation in selected schools</a:t>
+                      </a:r>
+                    </a:p>
+                    <a:p>
+                      <a:pPr marL="171450" indent="-171450">
+                        <a:buFont typeface="Arial" panose="020B0604020202020204" pitchFamily="34" charset="0"/>
+                        <a:buChar char="•"/>
+                      </a:pPr>
+                      <a:r>
+                        <a:rPr lang="en-GB" sz="1100" baseline="0" dirty="0" smtClean="0"/>
+                        <a:t>Creating an historical archive of such issues to use as best practices</a:t>
+                      </a:r>
+                      <a:endParaRPr lang="en-GB" sz="1100" dirty="0"/>
+                    </a:p>
+                  </a:txBody>
+                  <a:tcPr/>
+                </a:tc>
+                <a:extLst>
+                  <a:ext uri="{0D108BD9-81ED-4DB2-BD59-A6C34878D82A}">
+                    <a16:rowId xmlns:a16="http://schemas.microsoft.com/office/drawing/2014/main" val="3322566250"/>
+                  </a:ext>
+                </a:extLst>
+              </a:tr>
+              <a:tr h="807785">
+                <a:tc>
+                  <a:txBody>
+                    <a:bodyPr/>
+                    <a:lstStyle/>
+                    <a:p>
+                      <a:r>
+                        <a:rPr lang="en-GB" sz="1100" dirty="0" smtClean="0"/>
+                        <a:t>Adding cross-country comparisons</a:t>
+                      </a:r>
+                      <a:endParaRPr lang="en-GB" sz="1100" dirty="0"/>
+                    </a:p>
+                  </a:txBody>
+                  <a:tcPr/>
+                </a:tc>
+                <a:tc>
+                  <a:txBody>
+                    <a:bodyPr/>
+                    <a:lstStyle/>
+                    <a:p>
+                      <a:r>
+                        <a:rPr lang="en-US" sz="1100" dirty="0" smtClean="0"/>
+                        <a:t>Gender DIF between country A and Pilot (or country B)</a:t>
+                      </a:r>
+                    </a:p>
+                    <a:p>
+                      <a:r>
+                        <a:rPr lang="en-US" sz="1100" dirty="0" smtClean="0"/>
+                        <a:t>IRT item difficulty between country A and B (or country B with same language as A)</a:t>
+                      </a:r>
+                    </a:p>
+                  </a:txBody>
+                  <a:tcPr/>
+                </a:tc>
+                <a:tc>
+                  <a:txBody>
+                    <a:bodyPr/>
+                    <a:lstStyle/>
+                    <a:p>
+                      <a:pPr marL="171450" indent="-171450">
+                        <a:buFont typeface="Arial" panose="020B0604020202020204" pitchFamily="34" charset="0"/>
+                        <a:buChar char="•"/>
+                      </a:pPr>
+                      <a:r>
+                        <a:rPr lang="en-GB" sz="1100" dirty="0" smtClean="0"/>
+                        <a:t>Detecting cross-country patterns with selected items</a:t>
+                      </a:r>
+                    </a:p>
+                    <a:p>
+                      <a:pPr marL="171450" indent="-171450">
+                        <a:buFont typeface="Arial" panose="020B0604020202020204" pitchFamily="34" charset="0"/>
+                        <a:buChar char="•"/>
+                      </a:pPr>
+                      <a:r>
+                        <a:rPr lang="en-GB" sz="1100" dirty="0" smtClean="0"/>
+                        <a:t>Quality control of translation</a:t>
+                      </a:r>
+                      <a:r>
+                        <a:rPr lang="en-GB" sz="1100" baseline="0" dirty="0" smtClean="0"/>
+                        <a:t> &amp; adaptation</a:t>
+                      </a:r>
+                    </a:p>
+                    <a:p>
+                      <a:pPr marL="171450" indent="-171450">
+                        <a:buFont typeface="Arial" panose="020B0604020202020204" pitchFamily="34" charset="0"/>
+                        <a:buChar char="•"/>
+                      </a:pPr>
+                      <a:r>
+                        <a:rPr lang="en-GB" sz="1100" baseline="0" dirty="0" smtClean="0"/>
+                        <a:t>Cross-country analyses for capacity building</a:t>
+                      </a:r>
+                      <a:endParaRPr lang="en-GB" sz="1100" dirty="0"/>
+                    </a:p>
+                  </a:txBody>
+                  <a:tcPr/>
+                </a:tc>
+                <a:extLst>
+                  <a:ext uri="{0D108BD9-81ED-4DB2-BD59-A6C34878D82A}">
+                    <a16:rowId xmlns:a16="http://schemas.microsoft.com/office/drawing/2014/main" val="152475652"/>
+                  </a:ext>
+                </a:extLst>
+              </a:tr>
+              <a:tr h="1130032">
+                <a:tc>
+                  <a:txBody>
+                    <a:bodyPr/>
+                    <a:lstStyle/>
+                    <a:p>
+                      <a:r>
+                        <a:rPr lang="en-GB" sz="1100" dirty="0" smtClean="0"/>
+                        <a:t>Creating diagnostics checks to run every year</a:t>
+                      </a:r>
+                      <a:endParaRPr lang="en-GB" sz="1100" dirty="0"/>
+                    </a:p>
+                  </a:txBody>
+                  <a:tcPr/>
+                </a:tc>
+                <a:tc>
+                  <a:txBody>
+                    <a:bodyPr/>
+                    <a:lstStyle/>
+                    <a:p>
+                      <a:r>
+                        <a:rPr lang="en-US" sz="1100" dirty="0" smtClean="0"/>
+                        <a:t>Gender DIF</a:t>
+                      </a:r>
+                    </a:p>
+                    <a:p>
+                      <a:r>
+                        <a:rPr lang="en-US" sz="1100" dirty="0" smtClean="0"/>
+                        <a:t>Point-</a:t>
+                      </a:r>
+                      <a:r>
+                        <a:rPr lang="en-US" sz="1100" dirty="0" err="1" smtClean="0"/>
+                        <a:t>biserial</a:t>
+                      </a:r>
+                      <a:r>
+                        <a:rPr lang="en-US" sz="1100" dirty="0" smtClean="0"/>
+                        <a:t> correlation (“</a:t>
+                      </a:r>
+                      <a:r>
+                        <a:rPr lang="en-US" sz="1100" dirty="0" err="1" smtClean="0"/>
+                        <a:t>mis</a:t>
+                      </a:r>
+                      <a:r>
+                        <a:rPr lang="en-US" sz="1100" dirty="0" smtClean="0"/>
+                        <a:t>-keyed items”)</a:t>
+                      </a:r>
+                    </a:p>
+                    <a:p>
+                      <a:r>
+                        <a:rPr lang="en-US" sz="1100" dirty="0" smtClean="0"/>
+                        <a:t>PCA analysis (“Westminster”)</a:t>
+                      </a:r>
+                    </a:p>
+                    <a:p>
+                      <a:r>
+                        <a:rPr lang="en-US" sz="1100" dirty="0" smtClean="0"/>
+                        <a:t>Percentage of correct responses to each item over time (“teaching to the test”)</a:t>
+                      </a:r>
+                    </a:p>
+                    <a:p>
+                      <a:r>
+                        <a:rPr lang="en-GB" sz="1100" dirty="0" smtClean="0"/>
+                        <a:t>% of missing/not-reached items to each item</a:t>
+                      </a:r>
+                      <a:endParaRPr lang="en-GB" sz="1100" dirty="0"/>
+                    </a:p>
+                  </a:txBody>
+                  <a:tcPr/>
+                </a:tc>
+                <a:tc>
+                  <a:txBody>
+                    <a:bodyPr/>
+                    <a:lstStyle/>
+                    <a:p>
+                      <a:pPr marL="171450" indent="-171450">
+                        <a:buFont typeface="Arial" panose="020B0604020202020204" pitchFamily="34" charset="0"/>
+                        <a:buChar char="•"/>
+                      </a:pPr>
+                      <a:r>
+                        <a:rPr lang="en-GB" sz="1100" dirty="0" smtClean="0"/>
+                        <a:t>Ensuring quality of each implementation</a:t>
+                      </a:r>
+                    </a:p>
+                    <a:p>
+                      <a:pPr marL="171450" indent="-171450">
+                        <a:buFont typeface="Arial" panose="020B0604020202020204" pitchFamily="34" charset="0"/>
+                        <a:buChar char="•"/>
+                      </a:pPr>
+                      <a:r>
+                        <a:rPr lang="en-GB" sz="1100" dirty="0" smtClean="0"/>
+                        <a:t>Reducing</a:t>
+                      </a:r>
+                      <a:r>
+                        <a:rPr lang="en-GB" sz="1100" baseline="0" dirty="0" smtClean="0"/>
+                        <a:t> coding mistakes</a:t>
+                      </a:r>
+                    </a:p>
+                    <a:p>
+                      <a:pPr marL="171450" indent="-171450">
+                        <a:buFont typeface="Arial" panose="020B0604020202020204" pitchFamily="34" charset="0"/>
+                        <a:buChar char="•"/>
+                      </a:pPr>
+                      <a:r>
+                        <a:rPr lang="en-GB" sz="1100" baseline="0" dirty="0" smtClean="0"/>
+                        <a:t>Detecting possible data issues due to sample size</a:t>
+                      </a:r>
+                    </a:p>
+                    <a:p>
+                      <a:pPr marL="171450" indent="-171450">
+                        <a:buFont typeface="Arial" panose="020B0604020202020204" pitchFamily="34" charset="0"/>
+                        <a:buChar char="•"/>
+                      </a:pPr>
+                      <a:r>
+                        <a:rPr lang="en-GB" sz="1100" dirty="0" smtClean="0"/>
+                        <a:t>Detecting</a:t>
+                      </a:r>
+                      <a:r>
+                        <a:rPr lang="en-GB" sz="1100" baseline="0" dirty="0" smtClean="0"/>
+                        <a:t> unexpected patterns with items</a:t>
+                      </a:r>
+                    </a:p>
+                    <a:p>
+                      <a:pPr marL="171450" indent="-171450">
+                        <a:buFont typeface="Arial" panose="020B0604020202020204" pitchFamily="34" charset="0"/>
+                        <a:buChar char="•"/>
+                      </a:pPr>
+                      <a:r>
+                        <a:rPr lang="en-GB" sz="1100" baseline="0" dirty="0" smtClean="0"/>
+                        <a:t>Ensuring students are exposed to the right content</a:t>
+                      </a:r>
+                      <a:endParaRPr lang="en-GB" sz="1100" dirty="0"/>
+                    </a:p>
+                  </a:txBody>
+                  <a:tcPr/>
+                </a:tc>
+                <a:extLst>
+                  <a:ext uri="{0D108BD9-81ED-4DB2-BD59-A6C34878D82A}">
+                    <a16:rowId xmlns:a16="http://schemas.microsoft.com/office/drawing/2014/main" val="498877392"/>
+                  </a:ext>
+                </a:extLst>
+              </a:tr>
+              <a:tr h="407587">
+                <a:tc>
+                  <a:txBody>
+                    <a:bodyPr/>
+                    <a:lstStyle/>
+                    <a:p>
+                      <a:r>
+                        <a:rPr lang="en-GB" sz="1100" dirty="0" smtClean="0"/>
+                        <a:t>Adding integration to gold-dataset generator</a:t>
+                      </a:r>
+                      <a:endParaRPr lang="en-GB" sz="1100" dirty="0"/>
+                    </a:p>
+                  </a:txBody>
+                  <a:tcPr/>
+                </a:tc>
+                <a:tc>
+                  <a:txBody>
+                    <a:bodyPr/>
+                    <a:lstStyle/>
+                    <a:p>
+                      <a:r>
+                        <a:rPr lang="en-GB" sz="1100" dirty="0" smtClean="0"/>
+                        <a:t>Adding</a:t>
+                      </a:r>
+                      <a:r>
+                        <a:rPr lang="en-GB" sz="1100" baseline="0" dirty="0" smtClean="0"/>
+                        <a:t> panel to “switch on” the gold-dataset generator </a:t>
+                      </a:r>
+                    </a:p>
+                  </a:txBody>
+                  <a:tcPr/>
+                </a:tc>
+                <a:tc>
+                  <a:txBody>
+                    <a:bodyPr/>
+                    <a:lstStyle/>
+                    <a:p>
+                      <a:pPr marL="171450" indent="-171450">
+                        <a:buFont typeface="Arial" panose="020B0604020202020204" pitchFamily="34" charset="0"/>
+                        <a:buChar char="•"/>
+                      </a:pPr>
+                      <a:r>
+                        <a:rPr lang="en-GB" sz="1100" dirty="0" smtClean="0"/>
+                        <a:t>Integrating</a:t>
+                      </a:r>
+                      <a:r>
+                        <a:rPr lang="en-GB" sz="1100" baseline="0" dirty="0" smtClean="0"/>
+                        <a:t> the different R programs</a:t>
+                      </a:r>
+                    </a:p>
+                    <a:p>
+                      <a:pPr marL="171450" indent="-171450">
+                        <a:buFont typeface="Arial" panose="020B0604020202020204" pitchFamily="34" charset="0"/>
+                        <a:buChar char="•"/>
+                      </a:pPr>
+                      <a:r>
+                        <a:rPr lang="en-GB" sz="1100" baseline="0" dirty="0" smtClean="0"/>
+                        <a:t>Having a user-friendly interface to ‘switch on’ the gold-dataset generator</a:t>
+                      </a:r>
+                    </a:p>
+                    <a:p>
+                      <a:pPr marL="171450" marR="0" lvl="0" indent="-171450" algn="l" defTabSz="914400" rtl="0" eaLnBrk="1" fontAlgn="auto" latinLnBrk="0" hangingPunct="1">
+                        <a:lnSpc>
+                          <a:spcPct val="100000"/>
+                        </a:lnSpc>
+                        <a:spcBef>
+                          <a:spcPts val="0"/>
+                        </a:spcBef>
+                        <a:spcAft>
+                          <a:spcPts val="0"/>
+                        </a:spcAft>
+                        <a:buClrTx/>
+                        <a:buSzTx/>
+                        <a:buFont typeface="Arial" panose="020B0604020202020204" pitchFamily="34" charset="0"/>
+                        <a:buChar char="•"/>
+                        <a:tabLst/>
+                        <a:defRPr/>
+                      </a:pPr>
+                      <a:r>
+                        <a:rPr lang="en-GB" sz="1100" baseline="0" dirty="0" smtClean="0"/>
+                        <a:t>Incorporating decisions over items (e.g. drops) automatically</a:t>
+                      </a:r>
+                    </a:p>
+                  </a:txBody>
+                  <a:tcPr/>
+                </a:tc>
+                <a:extLst>
+                  <a:ext uri="{0D108BD9-81ED-4DB2-BD59-A6C34878D82A}">
+                    <a16:rowId xmlns:a16="http://schemas.microsoft.com/office/drawing/2014/main" val="3164424391"/>
+                  </a:ext>
+                </a:extLst>
+              </a:tr>
+              <a:tr h="407587">
+                <a:tc>
+                  <a:txBody>
+                    <a:bodyPr/>
+                    <a:lstStyle/>
+                    <a:p>
+                      <a:pPr marL="0" marR="0" lvl="0" indent="0" algn="l" defTabSz="914400" rtl="0" eaLnBrk="1" fontAlgn="auto" latinLnBrk="0" hangingPunct="1">
+                        <a:lnSpc>
+                          <a:spcPct val="100000"/>
+                        </a:lnSpc>
+                        <a:spcBef>
+                          <a:spcPts val="0"/>
+                        </a:spcBef>
+                        <a:spcAft>
+                          <a:spcPts val="0"/>
+                        </a:spcAft>
+                        <a:buClrTx/>
+                        <a:buSzTx/>
+                        <a:buFontTx/>
+                        <a:buNone/>
+                        <a:tabLst/>
+                        <a:defRPr/>
+                      </a:pPr>
+                      <a:r>
+                        <a:rPr lang="en-GB" sz="1100" dirty="0" smtClean="0"/>
+                        <a:t>Including item preview for dodgy items</a:t>
+                      </a:r>
+                      <a:endParaRPr lang="en-GB" sz="1100" dirty="0"/>
+                    </a:p>
+                  </a:txBody>
+                  <a:tcPr/>
+                </a:tc>
+                <a:tc>
+                  <a:txBody>
+                    <a:bodyPr/>
+                    <a:lstStyle/>
+                    <a:p>
+                      <a:pPr marL="0" marR="0" lvl="0" indent="0" algn="l" defTabSz="914400" rtl="0" eaLnBrk="1" fontAlgn="auto" latinLnBrk="0" hangingPunct="1">
+                        <a:lnSpc>
+                          <a:spcPct val="100000"/>
+                        </a:lnSpc>
+                        <a:spcBef>
+                          <a:spcPts val="0"/>
+                        </a:spcBef>
+                        <a:spcAft>
+                          <a:spcPts val="0"/>
+                        </a:spcAft>
+                        <a:buClrTx/>
+                        <a:buSzTx/>
+                        <a:buFontTx/>
+                        <a:buNone/>
+                        <a:tabLst/>
+                        <a:defRPr/>
+                      </a:pPr>
+                      <a:r>
+                        <a:rPr lang="en-GB" sz="1100" dirty="0" smtClean="0"/>
+                        <a:t>Open</a:t>
+                      </a:r>
+                      <a:r>
+                        <a:rPr lang="en-GB" sz="1100" baseline="0" dirty="0" smtClean="0"/>
+                        <a:t> the </a:t>
+                      </a:r>
+                      <a:r>
+                        <a:rPr lang="en-GB" sz="1100" dirty="0" smtClean="0"/>
+                        <a:t>source and national versions</a:t>
+                      </a:r>
+                      <a:r>
+                        <a:rPr lang="en-GB" sz="1100" baseline="0" dirty="0" smtClean="0"/>
+                        <a:t> of dodgy items</a:t>
+                      </a:r>
+                      <a:endParaRPr lang="en-GB" sz="1100" dirty="0" smtClean="0"/>
+                    </a:p>
+                    <a:p>
+                      <a:endParaRPr lang="en-GB" sz="1100" dirty="0"/>
+                    </a:p>
+                  </a:txBody>
+                  <a:tcPr/>
+                </a:tc>
+                <a:tc>
+                  <a:txBody>
+                    <a:bodyPr/>
+                    <a:lstStyle/>
+                    <a:p>
+                      <a:pPr marL="171450" indent="-171450">
+                        <a:buFont typeface="Arial" panose="020B0604020202020204" pitchFamily="34" charset="0"/>
+                        <a:buChar char="•"/>
+                      </a:pPr>
+                      <a:r>
+                        <a:rPr lang="en-GB" sz="1100" dirty="0" smtClean="0"/>
+                        <a:t>Looking for possible</a:t>
+                      </a:r>
+                      <a:r>
+                        <a:rPr lang="en-GB" sz="1100" baseline="0" dirty="0" smtClean="0"/>
+                        <a:t> issues with item display, item translation</a:t>
+                      </a:r>
+                      <a:endParaRPr lang="en-GB" sz="1100" dirty="0"/>
+                    </a:p>
+                  </a:txBody>
+                  <a:tcPr/>
+                </a:tc>
+                <a:extLst>
+                  <a:ext uri="{0D108BD9-81ED-4DB2-BD59-A6C34878D82A}">
+                    <a16:rowId xmlns:a16="http://schemas.microsoft.com/office/drawing/2014/main" val="21752783"/>
+                  </a:ext>
+                </a:extLst>
+              </a:tr>
+            </a:tbl>
+          </a:graphicData>
+        </a:graphic>
+      </p:graphicFrame>
     </p:spTree>
     <p:extLst>
       <p:ext uri="{BB962C8B-B14F-4D97-AF65-F5344CB8AC3E}">
@@ -5957,14 +7199,87 @@
         </p:blipFill>
         <p:spPr>
           <a:xfrm>
-            <a:off x="2228390" y="1412776"/>
-            <a:ext cx="6912768" cy="4458445"/>
+            <a:off x="3059832" y="1412777"/>
+            <a:ext cx="6081326" cy="3922200"/>
           </a:xfrm>
           <a:prstGeom prst="rect">
             <a:avLst/>
           </a:prstGeom>
         </p:spPr>
       </p:pic>
+      <p:sp>
+        <p:nvSpPr>
+          <p:cNvPr id="2" name="TextBox 1"/>
+          <p:cNvSpPr txBox="1"/>
+          <p:nvPr/>
+        </p:nvSpPr>
+        <p:spPr>
+          <a:xfrm>
+            <a:off x="395536" y="1556792"/>
+            <a:ext cx="2520280" cy="3108543"/>
+          </a:xfrm>
+          <a:prstGeom prst="rect">
+            <a:avLst/>
+          </a:prstGeom>
+          <a:noFill/>
+        </p:spPr>
+        <p:txBody>
+          <a:bodyPr wrap="square" rtlCol="0">
+            <a:spAutoFit/>
+          </a:bodyPr>
+          <a:lstStyle/>
+          <a:p>
+            <a:pPr marL="285750" indent="-285750">
+              <a:buFont typeface="Arial" panose="020B0604020202020204" pitchFamily="34" charset="0"/>
+              <a:buChar char="•"/>
+            </a:pPr>
+            <a:r>
+              <a:rPr lang="en-GB" sz="1400" dirty="0" smtClean="0"/>
+              <a:t>Select the country to analyse;</a:t>
+            </a:r>
+          </a:p>
+          <a:p>
+            <a:endParaRPr lang="en-GB" sz="1400" dirty="0" smtClean="0"/>
+          </a:p>
+          <a:p>
+            <a:pPr marL="285750" indent="-285750">
+              <a:buFont typeface="Arial" panose="020B0604020202020204" pitchFamily="34" charset="0"/>
+              <a:buChar char="•"/>
+            </a:pPr>
+            <a:r>
+              <a:rPr lang="en-GB" sz="1400" dirty="0" smtClean="0"/>
+              <a:t>Understand how the report is organised;</a:t>
+            </a:r>
+          </a:p>
+          <a:p>
+            <a:endParaRPr lang="en-GB" sz="1400" dirty="0" smtClean="0"/>
+          </a:p>
+          <a:p>
+            <a:pPr marL="285750" indent="-285750">
+              <a:buFont typeface="Arial" panose="020B0604020202020204" pitchFamily="34" charset="0"/>
+              <a:buChar char="•"/>
+            </a:pPr>
+            <a:r>
+              <a:rPr lang="en-GB" sz="1400" dirty="0" smtClean="0"/>
+              <a:t>Country profile is customised to the selected country;</a:t>
+            </a:r>
+          </a:p>
+          <a:p>
+            <a:endParaRPr lang="en-GB" sz="1400" dirty="0" smtClean="0"/>
+          </a:p>
+          <a:p>
+            <a:pPr marL="285750" indent="-285750">
+              <a:buFont typeface="Arial" panose="020B0604020202020204" pitchFamily="34" charset="0"/>
+              <a:buChar char="•"/>
+            </a:pPr>
+            <a:r>
+              <a:rPr lang="en-GB" sz="1400" dirty="0" smtClean="0"/>
+              <a:t>Switch on or off the gender DIF analysis  (computationally intensive).</a:t>
+            </a:r>
+            <a:endParaRPr lang="en-GB" sz="1400" dirty="0"/>
+          </a:p>
+        </p:txBody>
+      </p:sp>
     </p:spTree>
     <p:extLst>
       <p:ext uri="{BB962C8B-B14F-4D97-AF65-F5344CB8AC3E}">
@@ -6087,6 +7402,87 @@
           </a:prstGeom>
         </p:spPr>
       </p:pic>
+      <p:sp>
+        <p:nvSpPr>
+          <p:cNvPr id="3" name="TextBox 2"/>
+          <p:cNvSpPr txBox="1"/>
+          <p:nvPr/>
+        </p:nvSpPr>
+        <p:spPr>
+          <a:xfrm>
+            <a:off x="251520" y="1700808"/>
+            <a:ext cx="3672408" cy="4801314"/>
+          </a:xfrm>
+          <a:prstGeom prst="rect">
+            <a:avLst/>
+          </a:prstGeom>
+          <a:noFill/>
+        </p:spPr>
+        <p:txBody>
+          <a:bodyPr wrap="square" rtlCol="0">
+            <a:spAutoFit/>
+          </a:bodyPr>
+          <a:lstStyle/>
+          <a:p>
+            <a:pPr marL="285750" indent="-285750">
+              <a:buFont typeface="Arial" panose="020B0604020202020204" pitchFamily="34" charset="0"/>
+              <a:buChar char="•"/>
+            </a:pPr>
+            <a:r>
+              <a:rPr lang="en-GB" dirty="0" smtClean="0"/>
+              <a:t>The exploratory analysis has 5 analysis-specific tabs and a summary one;</a:t>
+            </a:r>
+          </a:p>
+          <a:p>
+            <a:pPr marL="285750" indent="-285750">
+              <a:buFont typeface="Arial" panose="020B0604020202020204" pitchFamily="34" charset="0"/>
+              <a:buChar char="•"/>
+            </a:pPr>
+            <a:endParaRPr lang="en-GB" dirty="0"/>
+          </a:p>
+          <a:p>
+            <a:pPr marL="285750" indent="-285750">
+              <a:buFont typeface="Arial" panose="020B0604020202020204" pitchFamily="34" charset="0"/>
+              <a:buChar char="•"/>
+            </a:pPr>
+            <a:r>
+              <a:rPr lang="en-GB" dirty="0" smtClean="0"/>
+              <a:t>The summary tab presents the results of all the analyses and displays items with at least one “dodgy” criterion;</a:t>
+            </a:r>
+          </a:p>
+          <a:p>
+            <a:endParaRPr lang="en-GB" dirty="0" smtClean="0"/>
+          </a:p>
+          <a:p>
+            <a:pPr marL="285750" indent="-285750">
+              <a:buFont typeface="Arial" panose="020B0604020202020204" pitchFamily="34" charset="0"/>
+              <a:buChar char="•"/>
+            </a:pPr>
+            <a:r>
+              <a:rPr lang="en-GB" dirty="0" smtClean="0"/>
+              <a:t>Items with at least one “dodgy” criterion should be reviewed more closely in the second section (“Dodgy items review”)</a:t>
+            </a:r>
+          </a:p>
+          <a:p>
+            <a:pPr marL="285750" indent="-285750">
+              <a:buFont typeface="Arial" panose="020B0604020202020204" pitchFamily="34" charset="0"/>
+              <a:buChar char="•"/>
+            </a:pPr>
+            <a:endParaRPr lang="en-GB" dirty="0"/>
+          </a:p>
+          <a:p>
+            <a:pPr marL="285750" indent="-285750">
+              <a:buFont typeface="Arial" panose="020B0604020202020204" pitchFamily="34" charset="0"/>
+              <a:buChar char="•"/>
+            </a:pPr>
+            <a:r>
+              <a:rPr lang="en-GB" dirty="0" smtClean="0"/>
+              <a:t>The different analyses are explained  in detail in their respective tab panel</a:t>
+            </a:r>
+            <a:endParaRPr lang="en-GB" dirty="0"/>
+          </a:p>
+        </p:txBody>
+      </p:sp>
     </p:spTree>
     <p:extLst>
       <p:ext uri="{BB962C8B-B14F-4D97-AF65-F5344CB8AC3E}">
